--- a/extra_material/exp_plan.pptx
+++ b/extra_material/exp_plan.pptx
@@ -107,6 +107,11 @@
       </a:defRPr>
     </a:lvl9pPr>
   </p:defaultTextStyle>
+  <p:extLst>
+    <p:ext uri="{EFAFB233-063F-42B5-8137-9DF3F51BA10A}">
+      <p15:sldGuideLst xmlns:p15="http://schemas.microsoft.com/office/powerpoint/2012/main"/>
+    </p:ext>
+  </p:extLst>
 </p:presentation>
 </file>
 
@@ -257,7 +262,7 @@
           <a:p>
             <a:fld id="{D9DFC112-CD81-6544-BC9B-69B280E44EE3}" type="datetimeFigureOut">
               <a:rPr lang="it-IT" smtClean="0"/>
-              <a:t>06/03/25</a:t>
+              <a:t>07/03/25</a:t>
             </a:fld>
             <a:endParaRPr lang="it-IT"/>
           </a:p>
@@ -455,7 +460,7 @@
           <a:p>
             <a:fld id="{D9DFC112-CD81-6544-BC9B-69B280E44EE3}" type="datetimeFigureOut">
               <a:rPr lang="it-IT" smtClean="0"/>
-              <a:t>06/03/25</a:t>
+              <a:t>07/03/25</a:t>
             </a:fld>
             <a:endParaRPr lang="it-IT"/>
           </a:p>
@@ -663,7 +668,7 @@
           <a:p>
             <a:fld id="{D9DFC112-CD81-6544-BC9B-69B280E44EE3}" type="datetimeFigureOut">
               <a:rPr lang="it-IT" smtClean="0"/>
-              <a:t>06/03/25</a:t>
+              <a:t>07/03/25</a:t>
             </a:fld>
             <a:endParaRPr lang="it-IT"/>
           </a:p>
@@ -861,7 +866,7 @@
           <a:p>
             <a:fld id="{D9DFC112-CD81-6544-BC9B-69B280E44EE3}" type="datetimeFigureOut">
               <a:rPr lang="it-IT" smtClean="0"/>
-              <a:t>06/03/25</a:t>
+              <a:t>07/03/25</a:t>
             </a:fld>
             <a:endParaRPr lang="it-IT"/>
           </a:p>
@@ -1136,7 +1141,7 @@
           <a:p>
             <a:fld id="{D9DFC112-CD81-6544-BC9B-69B280E44EE3}" type="datetimeFigureOut">
               <a:rPr lang="it-IT" smtClean="0"/>
-              <a:t>06/03/25</a:t>
+              <a:t>07/03/25</a:t>
             </a:fld>
             <a:endParaRPr lang="it-IT"/>
           </a:p>
@@ -1401,7 +1406,7 @@
           <a:p>
             <a:fld id="{D9DFC112-CD81-6544-BC9B-69B280E44EE3}" type="datetimeFigureOut">
               <a:rPr lang="it-IT" smtClean="0"/>
-              <a:t>06/03/25</a:t>
+              <a:t>07/03/25</a:t>
             </a:fld>
             <a:endParaRPr lang="it-IT"/>
           </a:p>
@@ -1813,7 +1818,7 @@
           <a:p>
             <a:fld id="{D9DFC112-CD81-6544-BC9B-69B280E44EE3}" type="datetimeFigureOut">
               <a:rPr lang="it-IT" smtClean="0"/>
-              <a:t>06/03/25</a:t>
+              <a:t>07/03/25</a:t>
             </a:fld>
             <a:endParaRPr lang="it-IT"/>
           </a:p>
@@ -1954,7 +1959,7 @@
           <a:p>
             <a:fld id="{D9DFC112-CD81-6544-BC9B-69B280E44EE3}" type="datetimeFigureOut">
               <a:rPr lang="it-IT" smtClean="0"/>
-              <a:t>06/03/25</a:t>
+              <a:t>07/03/25</a:t>
             </a:fld>
             <a:endParaRPr lang="it-IT"/>
           </a:p>
@@ -2067,7 +2072,7 @@
           <a:p>
             <a:fld id="{D9DFC112-CD81-6544-BC9B-69B280E44EE3}" type="datetimeFigureOut">
               <a:rPr lang="it-IT" smtClean="0"/>
-              <a:t>06/03/25</a:t>
+              <a:t>07/03/25</a:t>
             </a:fld>
             <a:endParaRPr lang="it-IT"/>
           </a:p>
@@ -2378,7 +2383,7 @@
           <a:p>
             <a:fld id="{D9DFC112-CD81-6544-BC9B-69B280E44EE3}" type="datetimeFigureOut">
               <a:rPr lang="it-IT" smtClean="0"/>
-              <a:t>06/03/25</a:t>
+              <a:t>07/03/25</a:t>
             </a:fld>
             <a:endParaRPr lang="it-IT"/>
           </a:p>
@@ -2666,7 +2671,7 @@
           <a:p>
             <a:fld id="{D9DFC112-CD81-6544-BC9B-69B280E44EE3}" type="datetimeFigureOut">
               <a:rPr lang="it-IT" smtClean="0"/>
-              <a:t>06/03/25</a:t>
+              <a:t>07/03/25</a:t>
             </a:fld>
             <a:endParaRPr lang="it-IT"/>
           </a:p>
@@ -2907,7 +2912,7 @@
           <a:p>
             <a:fld id="{D9DFC112-CD81-6544-BC9B-69B280E44EE3}" type="datetimeFigureOut">
               <a:rPr lang="it-IT" smtClean="0"/>
-              <a:t>06/03/25</a:t>
+              <a:t>07/03/25</a:t>
             </a:fld>
             <a:endParaRPr lang="it-IT"/>
           </a:p>
@@ -3347,7 +3352,7 @@
           <a:p>
             <a:r>
               <a:rPr lang="it-IT" dirty="0" err="1"/>
-              <a:t>DynFL</a:t>
+              <a:t>ArchFL</a:t>
             </a:r>
             <a:r>
               <a:rPr lang="it-IT" dirty="0"/>
@@ -3444,7 +3449,7 @@
           <p:nvPr>
             <p:extLst>
               <p:ext uri="{D42A27DB-BD31-4B8C-83A1-F6EECF244321}">
-                <p14:modId xmlns:p14="http://schemas.microsoft.com/office/powerpoint/2010/main" val="976954043"/>
+                <p14:modId xmlns:p14="http://schemas.microsoft.com/office/powerpoint/2010/main" val="813870294"/>
               </p:ext>
             </p:extLst>
           </p:nvPr>
@@ -3807,7 +3812,7 @@
                             <a:schemeClr val="bg1"/>
                           </a:solidFill>
                         </a:rPr>
-                        <a:t>ETA</a:t>
+                        <a:t>ETA [min]</a:t>
                       </a:r>
                     </a:p>
                   </a:txBody>
@@ -3888,21 +3893,24 @@
                     <a:p>
                       <a:r>
                         <a:rPr lang="it-IT" sz="1200" dirty="0"/>
-                        <a:t>100</a:t>
+                        <a:t>20</a:t>
                       </a:r>
                     </a:p>
                   </a:txBody>
                   <a:tcPr anchor="ctr"/>
                 </a:tc>
-                <a:tc>
-                  <a:txBody>
-                    <a:bodyPr/>
-                    <a:lstStyle/>
-                    <a:p>
-                      <a:endParaRPr lang="it-IT" sz="1200" dirty="0"/>
-                    </a:p>
-                  </a:txBody>
-                  <a:tcPr/>
+                <a:tc rowSpan="16">
+                  <a:txBody>
+                    <a:bodyPr/>
+                    <a:lstStyle/>
+                    <a:p>
+                      <a:r>
+                        <a:rPr lang="it-IT" sz="1200" dirty="0"/>
+                        <a:t>10</a:t>
+                      </a:r>
+                    </a:p>
+                  </a:txBody>
+                  <a:tcPr anchor="ctr"/>
                 </a:tc>
                 <a:tc rowSpan="8">
                   <a:txBody>
@@ -3959,7 +3967,10 @@
                     <a:bodyPr/>
                     <a:lstStyle/>
                     <a:p>
-                      <a:endParaRPr lang="it-IT" sz="1200" dirty="0"/>
+                      <a:r>
+                        <a:rPr lang="it-IT" sz="1200" dirty="0"/>
+                        <a:t>30*5</a:t>
+                      </a:r>
                     </a:p>
                   </a:txBody>
                   <a:tcPr/>
@@ -4021,7 +4032,7 @@
                   </a:txBody>
                   <a:tcPr/>
                 </a:tc>
-                <a:tc>
+                <a:tc vMerge="1">
                   <a:txBody>
                     <a:bodyPr/>
                     <a:lstStyle/>
@@ -4079,7 +4090,10 @@
                     <a:bodyPr/>
                     <a:lstStyle/>
                     <a:p>
-                      <a:endParaRPr lang="it-IT" sz="1200" dirty="0"/>
+                      <a:r>
+                        <a:rPr lang="it-IT" sz="1200" dirty="0"/>
+                        <a:t>30*5</a:t>
+                      </a:r>
                     </a:p>
                   </a:txBody>
                   <a:tcPr/>
@@ -4141,7 +4155,7 @@
                   </a:txBody>
                   <a:tcPr/>
                 </a:tc>
-                <a:tc>
+                <a:tc vMerge="1">
                   <a:txBody>
                     <a:bodyPr/>
                     <a:lstStyle/>
@@ -4203,7 +4217,10 @@
                     <a:bodyPr/>
                     <a:lstStyle/>
                     <a:p>
-                      <a:endParaRPr lang="it-IT" sz="1200" dirty="0"/>
+                      <a:r>
+                        <a:rPr lang="it-IT" sz="1200" dirty="0"/>
+                        <a:t>30*5</a:t>
+                      </a:r>
                     </a:p>
                   </a:txBody>
                   <a:tcPr/>
@@ -4265,7 +4282,7 @@
                   </a:txBody>
                   <a:tcPr/>
                 </a:tc>
-                <a:tc>
+                <a:tc vMerge="1">
                   <a:txBody>
                     <a:bodyPr/>
                     <a:lstStyle/>
@@ -4323,7 +4340,10 @@
                     <a:bodyPr/>
                     <a:lstStyle/>
                     <a:p>
-                      <a:endParaRPr lang="it-IT" sz="1200" dirty="0"/>
+                      <a:r>
+                        <a:rPr lang="it-IT" sz="1200" dirty="0"/>
+                        <a:t>30*5</a:t>
+                      </a:r>
                     </a:p>
                   </a:txBody>
                   <a:tcPr/>
@@ -4385,7 +4405,7 @@
                   </a:txBody>
                   <a:tcPr/>
                 </a:tc>
-                <a:tc>
+                <a:tc vMerge="1">
                   <a:txBody>
                     <a:bodyPr/>
                     <a:lstStyle/>
@@ -4447,7 +4467,10 @@
                     <a:bodyPr/>
                     <a:lstStyle/>
                     <a:p>
-                      <a:endParaRPr lang="it-IT" sz="1200" dirty="0"/>
+                      <a:r>
+                        <a:rPr lang="it-IT" sz="1200" dirty="0"/>
+                        <a:t>30*5</a:t>
+                      </a:r>
                     </a:p>
                   </a:txBody>
                   <a:tcPr/>
@@ -4509,7 +4532,7 @@
                   </a:txBody>
                   <a:tcPr/>
                 </a:tc>
-                <a:tc>
+                <a:tc vMerge="1">
                   <a:txBody>
                     <a:bodyPr/>
                     <a:lstStyle/>
@@ -4567,7 +4590,10 @@
                     <a:bodyPr/>
                     <a:lstStyle/>
                     <a:p>
-                      <a:endParaRPr lang="it-IT" sz="1200" dirty="0"/>
+                      <a:r>
+                        <a:rPr lang="it-IT" sz="1200" dirty="0"/>
+                        <a:t>30*5</a:t>
+                      </a:r>
                     </a:p>
                   </a:txBody>
                   <a:tcPr/>
@@ -4629,7 +4655,7 @@
                   </a:txBody>
                   <a:tcPr/>
                 </a:tc>
-                <a:tc>
+                <a:tc vMerge="1">
                   <a:txBody>
                     <a:bodyPr/>
                     <a:lstStyle/>
@@ -4691,7 +4717,10 @@
                     <a:bodyPr/>
                     <a:lstStyle/>
                     <a:p>
-                      <a:endParaRPr lang="it-IT" sz="1200" dirty="0"/>
+                      <a:r>
+                        <a:rPr lang="it-IT" sz="1200" dirty="0"/>
+                        <a:t>30*5</a:t>
+                      </a:r>
                     </a:p>
                   </a:txBody>
                   <a:tcPr/>
@@ -4753,7 +4782,7 @@
                   </a:txBody>
                   <a:tcPr/>
                 </a:tc>
-                <a:tc>
+                <a:tc vMerge="1">
                   <a:txBody>
                     <a:bodyPr/>
                     <a:lstStyle/>
@@ -4811,7 +4840,10 @@
                     <a:bodyPr/>
                     <a:lstStyle/>
                     <a:p>
-                      <a:endParaRPr lang="it-IT" sz="1200" dirty="0"/>
+                      <a:r>
+                        <a:rPr lang="it-IT" sz="1200" dirty="0"/>
+                        <a:t>30*5</a:t>
+                      </a:r>
                     </a:p>
                   </a:txBody>
                   <a:tcPr/>
@@ -4873,7 +4905,7 @@
                   </a:txBody>
                   <a:tcPr/>
                 </a:tc>
-                <a:tc>
+                <a:tc vMerge="1">
                   <a:txBody>
                     <a:bodyPr/>
                     <a:lstStyle/>
@@ -4938,7 +4970,10 @@
                     <a:bodyPr/>
                     <a:lstStyle/>
                     <a:p>
-                      <a:endParaRPr lang="it-IT" sz="1200" dirty="0"/>
+                      <a:r>
+                        <a:rPr lang="it-IT" sz="1200" dirty="0"/>
+                        <a:t>30*5</a:t>
+                      </a:r>
                     </a:p>
                   </a:txBody>
                   <a:tcPr/>
@@ -5000,7 +5035,7 @@
                   </a:txBody>
                   <a:tcPr/>
                 </a:tc>
-                <a:tc>
+                <a:tc vMerge="1">
                   <a:txBody>
                     <a:bodyPr/>
                     <a:lstStyle/>
@@ -5058,7 +5093,10 @@
                     <a:bodyPr/>
                     <a:lstStyle/>
                     <a:p>
-                      <a:endParaRPr lang="it-IT" sz="1200" dirty="0"/>
+                      <a:r>
+                        <a:rPr lang="it-IT" sz="1200" dirty="0"/>
+                        <a:t>30*5</a:t>
+                      </a:r>
                     </a:p>
                   </a:txBody>
                   <a:tcPr/>
@@ -5120,7 +5158,7 @@
                   </a:txBody>
                   <a:tcPr/>
                 </a:tc>
-                <a:tc>
+                <a:tc vMerge="1">
                   <a:txBody>
                     <a:bodyPr/>
                     <a:lstStyle/>
@@ -5182,7 +5220,10 @@
                     <a:bodyPr/>
                     <a:lstStyle/>
                     <a:p>
-                      <a:endParaRPr lang="it-IT" sz="1200" dirty="0"/>
+                      <a:r>
+                        <a:rPr lang="it-IT" sz="1200" dirty="0"/>
+                        <a:t>30*5</a:t>
+                      </a:r>
                     </a:p>
                   </a:txBody>
                   <a:tcPr/>
@@ -5244,7 +5285,7 @@
                   </a:txBody>
                   <a:tcPr/>
                 </a:tc>
-                <a:tc>
+                <a:tc vMerge="1">
                   <a:txBody>
                     <a:bodyPr/>
                     <a:lstStyle/>
@@ -5302,7 +5343,10 @@
                     <a:bodyPr/>
                     <a:lstStyle/>
                     <a:p>
-                      <a:endParaRPr lang="it-IT" sz="1200" dirty="0"/>
+                      <a:r>
+                        <a:rPr lang="it-IT" sz="1200" dirty="0"/>
+                        <a:t>30*5</a:t>
+                      </a:r>
                     </a:p>
                   </a:txBody>
                   <a:tcPr/>
@@ -5364,7 +5408,7 @@
                   </a:txBody>
                   <a:tcPr/>
                 </a:tc>
-                <a:tc>
+                <a:tc vMerge="1">
                   <a:txBody>
                     <a:bodyPr/>
                     <a:lstStyle/>
@@ -5426,7 +5470,10 @@
                     <a:bodyPr/>
                     <a:lstStyle/>
                     <a:p>
-                      <a:endParaRPr lang="it-IT" sz="1200" dirty="0"/>
+                      <a:r>
+                        <a:rPr lang="it-IT" sz="1200" dirty="0"/>
+                        <a:t>30*5</a:t>
+                      </a:r>
                     </a:p>
                   </a:txBody>
                   <a:tcPr/>
@@ -5488,7 +5535,7 @@
                   </a:txBody>
                   <a:tcPr/>
                 </a:tc>
-                <a:tc>
+                <a:tc vMerge="1">
                   <a:txBody>
                     <a:bodyPr/>
                     <a:lstStyle/>
@@ -5546,7 +5593,10 @@
                     <a:bodyPr/>
                     <a:lstStyle/>
                     <a:p>
-                      <a:endParaRPr lang="it-IT" sz="1200" dirty="0"/>
+                      <a:r>
+                        <a:rPr lang="it-IT" sz="1200" dirty="0"/>
+                        <a:t>30*5</a:t>
+                      </a:r>
                     </a:p>
                   </a:txBody>
                   <a:tcPr/>
@@ -5608,7 +5658,7 @@
                   </a:txBody>
                   <a:tcPr/>
                 </a:tc>
-                <a:tc>
+                <a:tc vMerge="1">
                   <a:txBody>
                     <a:bodyPr/>
                     <a:lstStyle/>
@@ -5670,7 +5720,10 @@
                     <a:bodyPr/>
                     <a:lstStyle/>
                     <a:p>
-                      <a:endParaRPr lang="it-IT" sz="1200" dirty="0"/>
+                      <a:r>
+                        <a:rPr lang="it-IT" sz="1200" dirty="0"/>
+                        <a:t>30*5</a:t>
+                      </a:r>
                     </a:p>
                   </a:txBody>
                   <a:tcPr/>
@@ -5732,7 +5785,7 @@
                   </a:txBody>
                   <a:tcPr/>
                 </a:tc>
-                <a:tc>
+                <a:tc vMerge="1">
                   <a:txBody>
                     <a:bodyPr/>
                     <a:lstStyle/>
@@ -5790,7 +5843,10 @@
                     <a:bodyPr/>
                     <a:lstStyle/>
                     <a:p>
-                      <a:endParaRPr lang="it-IT" sz="1200" dirty="0"/>
+                      <a:r>
+                        <a:rPr lang="it-IT" sz="1200" dirty="0"/>
+                        <a:t>30*5</a:t>
+                      </a:r>
                     </a:p>
                   </a:txBody>
                   <a:tcPr/>
@@ -5906,7 +5962,7 @@
           <p:nvPr>
             <p:extLst>
               <p:ext uri="{D42A27DB-BD31-4B8C-83A1-F6EECF244321}">
-                <p14:modId xmlns:p14="http://schemas.microsoft.com/office/powerpoint/2010/main" val="2088782871"/>
+                <p14:modId xmlns:p14="http://schemas.microsoft.com/office/powerpoint/2010/main" val="1331895623"/>
               </p:ext>
             </p:extLst>
           </p:nvPr>
@@ -6263,13 +6319,30 @@
                     <a:bodyPr/>
                     <a:lstStyle/>
                     <a:p>
+                      <a:pPr marL="0" marR="0" lvl="0" indent="0" algn="l" defTabSz="914400" rtl="0" eaLnBrk="1" fontAlgn="auto" latinLnBrk="0" hangingPunct="1">
+                        <a:lnSpc>
+                          <a:spcPct val="100000"/>
+                        </a:lnSpc>
+                        <a:spcBef>
+                          <a:spcPts val="0"/>
+                        </a:spcBef>
+                        <a:spcAft>
+                          <a:spcPts val="0"/>
+                        </a:spcAft>
+                        <a:buClrTx/>
+                        <a:buSzTx/>
+                        <a:buFontTx/>
+                        <a:buNone/>
+                        <a:tabLst/>
+                        <a:defRPr/>
+                      </a:pPr>
                       <a:r>
                         <a:rPr lang="it-IT" sz="1200" dirty="0">
                           <a:solidFill>
                             <a:schemeClr val="bg1"/>
                           </a:solidFill>
                         </a:rPr>
-                        <a:t>ETA</a:t>
+                        <a:t>ETA [min]</a:t>
                       </a:r>
                     </a:p>
                   </a:txBody>
@@ -6350,21 +6423,24 @@
                     <a:p>
                       <a:r>
                         <a:rPr lang="it-IT" sz="1200" dirty="0"/>
-                        <a:t>100</a:t>
+                        <a:t>20</a:t>
                       </a:r>
                     </a:p>
                   </a:txBody>
                   <a:tcPr anchor="ctr"/>
                 </a:tc>
-                <a:tc>
-                  <a:txBody>
-                    <a:bodyPr/>
-                    <a:lstStyle/>
-                    <a:p>
-                      <a:endParaRPr lang="it-IT" sz="1200" dirty="0"/>
-                    </a:p>
-                  </a:txBody>
-                  <a:tcPr/>
+                <a:tc rowSpan="16">
+                  <a:txBody>
+                    <a:bodyPr/>
+                    <a:lstStyle/>
+                    <a:p>
+                      <a:r>
+                        <a:rPr lang="it-IT" sz="1200" dirty="0"/>
+                        <a:t>10</a:t>
+                      </a:r>
+                    </a:p>
+                  </a:txBody>
+                  <a:tcPr anchor="ctr"/>
                 </a:tc>
                 <a:tc rowSpan="8">
                   <a:txBody>
@@ -6437,7 +6513,10 @@
                     <a:bodyPr/>
                     <a:lstStyle/>
                     <a:p>
-                      <a:endParaRPr lang="it-IT" sz="1200" dirty="0"/>
+                      <a:r>
+                        <a:rPr lang="it-IT" sz="1200" dirty="0"/>
+                        <a:t>30*5</a:t>
+                      </a:r>
                     </a:p>
                   </a:txBody>
                   <a:tcPr/>
@@ -6499,7 +6578,7 @@
                   </a:txBody>
                   <a:tcPr/>
                 </a:tc>
-                <a:tc>
+                <a:tc vMerge="1">
                   <a:txBody>
                     <a:bodyPr/>
                     <a:lstStyle/>
@@ -6557,7 +6636,10 @@
                     <a:bodyPr/>
                     <a:lstStyle/>
                     <a:p>
-                      <a:endParaRPr lang="it-IT" sz="1200" dirty="0"/>
+                      <a:r>
+                        <a:rPr lang="it-IT" sz="1200" dirty="0"/>
+                        <a:t>30*5</a:t>
+                      </a:r>
                     </a:p>
                   </a:txBody>
                   <a:tcPr/>
@@ -6619,7 +6701,7 @@
                   </a:txBody>
                   <a:tcPr/>
                 </a:tc>
-                <a:tc>
+                <a:tc vMerge="1">
                   <a:txBody>
                     <a:bodyPr/>
                     <a:lstStyle/>
@@ -6681,7 +6763,10 @@
                     <a:bodyPr/>
                     <a:lstStyle/>
                     <a:p>
-                      <a:endParaRPr lang="it-IT" sz="1200" dirty="0"/>
+                      <a:r>
+                        <a:rPr lang="it-IT" sz="1200" dirty="0"/>
+                        <a:t>30*5</a:t>
+                      </a:r>
                     </a:p>
                   </a:txBody>
                   <a:tcPr/>
@@ -6743,7 +6828,7 @@
                   </a:txBody>
                   <a:tcPr/>
                 </a:tc>
-                <a:tc>
+                <a:tc vMerge="1">
                   <a:txBody>
                     <a:bodyPr/>
                     <a:lstStyle/>
@@ -6801,7 +6886,10 @@
                     <a:bodyPr/>
                     <a:lstStyle/>
                     <a:p>
-                      <a:endParaRPr lang="it-IT" sz="1200" dirty="0"/>
+                      <a:r>
+                        <a:rPr lang="it-IT" sz="1200" dirty="0"/>
+                        <a:t>30*5</a:t>
+                      </a:r>
                     </a:p>
                   </a:txBody>
                   <a:tcPr/>
@@ -6863,7 +6951,7 @@
                   </a:txBody>
                   <a:tcPr/>
                 </a:tc>
-                <a:tc>
+                <a:tc vMerge="1">
                   <a:txBody>
                     <a:bodyPr/>
                     <a:lstStyle/>
@@ -6925,7 +7013,10 @@
                     <a:bodyPr/>
                     <a:lstStyle/>
                     <a:p>
-                      <a:endParaRPr lang="it-IT" sz="1200" dirty="0"/>
+                      <a:r>
+                        <a:rPr lang="it-IT" sz="1200" dirty="0"/>
+                        <a:t>30*5</a:t>
+                      </a:r>
                     </a:p>
                   </a:txBody>
                   <a:tcPr/>
@@ -6987,7 +7078,7 @@
                   </a:txBody>
                   <a:tcPr/>
                 </a:tc>
-                <a:tc>
+                <a:tc vMerge="1">
                   <a:txBody>
                     <a:bodyPr/>
                     <a:lstStyle/>
@@ -7045,7 +7136,10 @@
                     <a:bodyPr/>
                     <a:lstStyle/>
                     <a:p>
-                      <a:endParaRPr lang="it-IT" sz="1200" dirty="0"/>
+                      <a:r>
+                        <a:rPr lang="it-IT" sz="1200" dirty="0"/>
+                        <a:t>30*5</a:t>
+                      </a:r>
                     </a:p>
                   </a:txBody>
                   <a:tcPr/>
@@ -7107,7 +7201,7 @@
                   </a:txBody>
                   <a:tcPr/>
                 </a:tc>
-                <a:tc>
+                <a:tc vMerge="1">
                   <a:txBody>
                     <a:bodyPr/>
                     <a:lstStyle/>
@@ -7169,7 +7263,10 @@
                     <a:bodyPr/>
                     <a:lstStyle/>
                     <a:p>
-                      <a:endParaRPr lang="it-IT" sz="1200" dirty="0"/>
+                      <a:r>
+                        <a:rPr lang="it-IT" sz="1200" dirty="0"/>
+                        <a:t>30*5</a:t>
+                      </a:r>
                     </a:p>
                   </a:txBody>
                   <a:tcPr/>
@@ -7231,7 +7328,7 @@
                   </a:txBody>
                   <a:tcPr/>
                 </a:tc>
-                <a:tc>
+                <a:tc vMerge="1">
                   <a:txBody>
                     <a:bodyPr/>
                     <a:lstStyle/>
@@ -7289,7 +7386,10 @@
                     <a:bodyPr/>
                     <a:lstStyle/>
                     <a:p>
-                      <a:endParaRPr lang="it-IT" sz="1200" dirty="0"/>
+                      <a:r>
+                        <a:rPr lang="it-IT" sz="1200" dirty="0"/>
+                        <a:t>30*5</a:t>
+                      </a:r>
                     </a:p>
                   </a:txBody>
                   <a:tcPr/>
@@ -7351,7 +7451,7 @@
                   </a:txBody>
                   <a:tcPr/>
                 </a:tc>
-                <a:tc>
+                <a:tc vMerge="1">
                   <a:txBody>
                     <a:bodyPr/>
                     <a:lstStyle/>
@@ -7432,7 +7532,10 @@
                     <a:bodyPr/>
                     <a:lstStyle/>
                     <a:p>
-                      <a:endParaRPr lang="it-IT" sz="1200" dirty="0"/>
+                      <a:r>
+                        <a:rPr lang="it-IT" sz="1200" dirty="0"/>
+                        <a:t>30*5</a:t>
+                      </a:r>
                     </a:p>
                   </a:txBody>
                   <a:tcPr/>
@@ -7494,7 +7597,7 @@
                   </a:txBody>
                   <a:tcPr/>
                 </a:tc>
-                <a:tc>
+                <a:tc vMerge="1">
                   <a:txBody>
                     <a:bodyPr/>
                     <a:lstStyle/>
@@ -7552,7 +7655,10 @@
                     <a:bodyPr/>
                     <a:lstStyle/>
                     <a:p>
-                      <a:endParaRPr lang="it-IT" sz="1200" dirty="0"/>
+                      <a:r>
+                        <a:rPr lang="it-IT" sz="1200" dirty="0"/>
+                        <a:t>30*5</a:t>
+                      </a:r>
                     </a:p>
                   </a:txBody>
                   <a:tcPr/>
@@ -7614,7 +7720,7 @@
                   </a:txBody>
                   <a:tcPr/>
                 </a:tc>
-                <a:tc>
+                <a:tc vMerge="1">
                   <a:txBody>
                     <a:bodyPr/>
                     <a:lstStyle/>
@@ -7676,7 +7782,10 @@
                     <a:bodyPr/>
                     <a:lstStyle/>
                     <a:p>
-                      <a:endParaRPr lang="it-IT" sz="1200" dirty="0"/>
+                      <a:r>
+                        <a:rPr lang="it-IT" sz="1200" dirty="0"/>
+                        <a:t>30*5</a:t>
+                      </a:r>
                     </a:p>
                   </a:txBody>
                   <a:tcPr/>
@@ -7738,7 +7847,7 @@
                   </a:txBody>
                   <a:tcPr/>
                 </a:tc>
-                <a:tc>
+                <a:tc vMerge="1">
                   <a:txBody>
                     <a:bodyPr/>
                     <a:lstStyle/>
@@ -7796,7 +7905,10 @@
                     <a:bodyPr/>
                     <a:lstStyle/>
                     <a:p>
-                      <a:endParaRPr lang="it-IT" sz="1200" dirty="0"/>
+                      <a:r>
+                        <a:rPr lang="it-IT" sz="1200" dirty="0"/>
+                        <a:t>30*5</a:t>
+                      </a:r>
                     </a:p>
                   </a:txBody>
                   <a:tcPr/>
@@ -7858,7 +7970,7 @@
                   </a:txBody>
                   <a:tcPr/>
                 </a:tc>
-                <a:tc>
+                <a:tc vMerge="1">
                   <a:txBody>
                     <a:bodyPr/>
                     <a:lstStyle/>
@@ -7920,7 +8032,10 @@
                     <a:bodyPr/>
                     <a:lstStyle/>
                     <a:p>
-                      <a:endParaRPr lang="it-IT" sz="1200" dirty="0"/>
+                      <a:r>
+                        <a:rPr lang="it-IT" sz="1200" dirty="0"/>
+                        <a:t>30*5</a:t>
+                      </a:r>
                     </a:p>
                   </a:txBody>
                   <a:tcPr/>
@@ -7982,7 +8097,7 @@
                   </a:txBody>
                   <a:tcPr/>
                 </a:tc>
-                <a:tc>
+                <a:tc vMerge="1">
                   <a:txBody>
                     <a:bodyPr/>
                     <a:lstStyle/>
@@ -8040,7 +8155,10 @@
                     <a:bodyPr/>
                     <a:lstStyle/>
                     <a:p>
-                      <a:endParaRPr lang="it-IT" sz="1200" dirty="0"/>
+                      <a:r>
+                        <a:rPr lang="it-IT" sz="1200" dirty="0"/>
+                        <a:t>30*5</a:t>
+                      </a:r>
                     </a:p>
                   </a:txBody>
                   <a:tcPr/>
@@ -8102,7 +8220,7 @@
                   </a:txBody>
                   <a:tcPr/>
                 </a:tc>
-                <a:tc>
+                <a:tc vMerge="1">
                   <a:txBody>
                     <a:bodyPr/>
                     <a:lstStyle/>
@@ -8164,7 +8282,10 @@
                     <a:bodyPr/>
                     <a:lstStyle/>
                     <a:p>
-                      <a:endParaRPr lang="it-IT" sz="1200" dirty="0"/>
+                      <a:r>
+                        <a:rPr lang="it-IT" sz="1200" dirty="0"/>
+                        <a:t>30*5</a:t>
+                      </a:r>
                     </a:p>
                   </a:txBody>
                   <a:tcPr/>
@@ -8226,7 +8347,7 @@
                   </a:txBody>
                   <a:tcPr/>
                 </a:tc>
-                <a:tc>
+                <a:tc vMerge="1">
                   <a:txBody>
                     <a:bodyPr/>
                     <a:lstStyle/>
@@ -8284,7 +8405,10 @@
                     <a:bodyPr/>
                     <a:lstStyle/>
                     <a:p>
-                      <a:endParaRPr lang="it-IT" sz="1200" dirty="0"/>
+                      <a:r>
+                        <a:rPr lang="it-IT" sz="1200" dirty="0"/>
+                        <a:t>30*5</a:t>
+                      </a:r>
                     </a:p>
                   </a:txBody>
                   <a:tcPr/>
@@ -8400,14 +8524,14 @@
           <p:nvPr>
             <p:extLst>
               <p:ext uri="{D42A27DB-BD31-4B8C-83A1-F6EECF244321}">
-                <p14:modId xmlns:p14="http://schemas.microsoft.com/office/powerpoint/2010/main" val="3142792040"/>
+                <p14:modId xmlns:p14="http://schemas.microsoft.com/office/powerpoint/2010/main" val="3889456345"/>
               </p:ext>
             </p:extLst>
           </p:nvPr>
         </p:nvGraphicFramePr>
         <p:xfrm>
           <a:off x="487325" y="1005840"/>
-          <a:ext cx="11217349" cy="4846320"/>
+          <a:ext cx="11217349" cy="3108960"/>
         </p:xfrm>
         <a:graphic>
           <a:graphicData uri="http://schemas.openxmlformats.org/drawingml/2006/table">
@@ -8472,14 +8596,14 @@
                     </a:ext>
                   </a:extLst>
                 </a:gridCol>
-                <a:gridCol w="1277530">
+                <a:gridCol w="1264578">
                   <a:extLst>
                     <a:ext uri="{9D8B030D-6E8A-4147-A177-3AD203B41FA5}">
                       <a16:colId xmlns:a16="http://schemas.microsoft.com/office/drawing/2014/main" val="1715946666"/>
                     </a:ext>
                   </a:extLst>
                 </a:gridCol>
-                <a:gridCol w="625409">
+                <a:gridCol w="638361">
                   <a:extLst>
                     <a:ext uri="{9D8B030D-6E8A-4147-A177-3AD203B41FA5}">
                       <a16:colId xmlns:a16="http://schemas.microsoft.com/office/drawing/2014/main" val="324226384"/>
@@ -8757,13 +8881,30 @@
                     <a:bodyPr/>
                     <a:lstStyle/>
                     <a:p>
+                      <a:pPr marL="0" marR="0" lvl="0" indent="0" algn="l" defTabSz="914400" rtl="0" eaLnBrk="1" fontAlgn="auto" latinLnBrk="0" hangingPunct="1">
+                        <a:lnSpc>
+                          <a:spcPct val="100000"/>
+                        </a:lnSpc>
+                        <a:spcBef>
+                          <a:spcPts val="0"/>
+                        </a:spcBef>
+                        <a:spcAft>
+                          <a:spcPts val="0"/>
+                        </a:spcAft>
+                        <a:buClrTx/>
+                        <a:buSzTx/>
+                        <a:buFontTx/>
+                        <a:buNone/>
+                        <a:tabLst/>
+                        <a:defRPr/>
+                      </a:pPr>
                       <a:r>
                         <a:rPr lang="it-IT" sz="1200" dirty="0">
                           <a:solidFill>
                             <a:schemeClr val="bg1"/>
                           </a:solidFill>
                         </a:rPr>
-                        <a:t>ETA</a:t>
+                        <a:t>ETA [min]</a:t>
                       </a:r>
                     </a:p>
                   </a:txBody>
@@ -8798,7 +8939,7 @@
                 </a:extLst>
               </a:tr>
               <a:tr h="0">
-                <a:tc rowSpan="16">
+                <a:tc rowSpan="8">
                   <a:txBody>
                     <a:bodyPr/>
                     <a:lstStyle/>
@@ -8811,7 +8952,7 @@
                   </a:txBody>
                   <a:tcPr anchor="ctr"/>
                 </a:tc>
-                <a:tc rowSpan="16">
+                <a:tc rowSpan="8">
                   <a:txBody>
                     <a:bodyPr/>
                     <a:lstStyle/>
@@ -8824,7 +8965,7 @@
                   </a:txBody>
                   <a:tcPr anchor="ctr"/>
                 </a:tc>
-                <a:tc rowSpan="16">
+                <a:tc rowSpan="8">
                   <a:txBody>
                     <a:bodyPr/>
                     <a:lstStyle/>
@@ -8837,28 +8978,31 @@
                   </a:txBody>
                   <a:tcPr anchor="ctr"/>
                 </a:tc>
-                <a:tc rowSpan="16">
-                  <a:txBody>
-                    <a:bodyPr/>
-                    <a:lstStyle/>
-                    <a:p>
-                      <a:r>
-                        <a:rPr lang="it-IT" sz="1200" dirty="0"/>
-                        <a:t>100</a:t>
+                <a:tc rowSpan="8">
+                  <a:txBody>
+                    <a:bodyPr/>
+                    <a:lstStyle/>
+                    <a:p>
+                      <a:r>
+                        <a:rPr lang="it-IT" sz="1200" dirty="0"/>
+                        <a:t>20</a:t>
                       </a:r>
                     </a:p>
                   </a:txBody>
                   <a:tcPr anchor="ctr"/>
                 </a:tc>
-                <a:tc>
-                  <a:txBody>
-                    <a:bodyPr/>
-                    <a:lstStyle/>
-                    <a:p>
-                      <a:endParaRPr lang="it-IT" sz="1200" dirty="0"/>
-                    </a:p>
-                  </a:txBody>
-                  <a:tcPr/>
+                <a:tc rowSpan="8">
+                  <a:txBody>
+                    <a:bodyPr/>
+                    <a:lstStyle/>
+                    <a:p>
+                      <a:r>
+                        <a:rPr lang="it-IT" sz="1200" dirty="0"/>
+                        <a:t>10</a:t>
+                      </a:r>
+                    </a:p>
+                  </a:txBody>
+                  <a:tcPr anchor="ctr"/>
                 </a:tc>
                 <a:tc rowSpan="8">
                   <a:txBody>
@@ -8931,7 +9075,10 @@
                     <a:bodyPr/>
                     <a:lstStyle/>
                     <a:p>
-                      <a:endParaRPr lang="it-IT" sz="1200" dirty="0"/>
+                      <a:r>
+                        <a:rPr lang="it-IT" sz="1200" dirty="0"/>
+                        <a:t>30*5</a:t>
+                      </a:r>
                     </a:p>
                   </a:txBody>
                   <a:tcPr/>
@@ -8993,7 +9140,7 @@
                   </a:txBody>
                   <a:tcPr/>
                 </a:tc>
-                <a:tc>
+                <a:tc vMerge="1">
                   <a:txBody>
                     <a:bodyPr/>
                     <a:lstStyle/>
@@ -9051,7 +9198,10 @@
                     <a:bodyPr/>
                     <a:lstStyle/>
                     <a:p>
-                      <a:endParaRPr lang="it-IT" sz="1200" dirty="0"/>
+                      <a:r>
+                        <a:rPr lang="it-IT" sz="1200" dirty="0"/>
+                        <a:t>30*5</a:t>
+                      </a:r>
                     </a:p>
                   </a:txBody>
                   <a:tcPr/>
@@ -9113,7 +9263,7 @@
                   </a:txBody>
                   <a:tcPr/>
                 </a:tc>
-                <a:tc>
+                <a:tc vMerge="1">
                   <a:txBody>
                     <a:bodyPr/>
                     <a:lstStyle/>
@@ -9175,7 +9325,10 @@
                     <a:bodyPr/>
                     <a:lstStyle/>
                     <a:p>
-                      <a:endParaRPr lang="it-IT" sz="1200" dirty="0"/>
+                      <a:r>
+                        <a:rPr lang="it-IT" sz="1200" dirty="0"/>
+                        <a:t>30*5</a:t>
+                      </a:r>
                     </a:p>
                   </a:txBody>
                   <a:tcPr/>
@@ -9237,7 +9390,7 @@
                   </a:txBody>
                   <a:tcPr/>
                 </a:tc>
-                <a:tc>
+                <a:tc vMerge="1">
                   <a:txBody>
                     <a:bodyPr/>
                     <a:lstStyle/>
@@ -9295,7 +9448,10 @@
                     <a:bodyPr/>
                     <a:lstStyle/>
                     <a:p>
-                      <a:endParaRPr lang="it-IT" sz="1200" dirty="0"/>
+                      <a:r>
+                        <a:rPr lang="it-IT" sz="1200" dirty="0"/>
+                        <a:t>30*5</a:t>
+                      </a:r>
                     </a:p>
                   </a:txBody>
                   <a:tcPr/>
@@ -9357,7 +9513,7 @@
                   </a:txBody>
                   <a:tcPr/>
                 </a:tc>
-                <a:tc>
+                <a:tc vMerge="1">
                   <a:txBody>
                     <a:bodyPr/>
                     <a:lstStyle/>
@@ -9419,7 +9575,10 @@
                     <a:bodyPr/>
                     <a:lstStyle/>
                     <a:p>
-                      <a:endParaRPr lang="it-IT" sz="1200" dirty="0"/>
+                      <a:r>
+                        <a:rPr lang="it-IT" sz="1200" dirty="0"/>
+                        <a:t>30*5</a:t>
+                      </a:r>
                     </a:p>
                   </a:txBody>
                   <a:tcPr/>
@@ -9481,7 +9640,7 @@
                   </a:txBody>
                   <a:tcPr/>
                 </a:tc>
-                <a:tc>
+                <a:tc vMerge="1">
                   <a:txBody>
                     <a:bodyPr/>
                     <a:lstStyle/>
@@ -9539,7 +9698,10 @@
                     <a:bodyPr/>
                     <a:lstStyle/>
                     <a:p>
-                      <a:endParaRPr lang="it-IT" sz="1200" dirty="0"/>
+                      <a:r>
+                        <a:rPr lang="it-IT" sz="1200" dirty="0"/>
+                        <a:t>30*5</a:t>
+                      </a:r>
                     </a:p>
                   </a:txBody>
                   <a:tcPr/>
@@ -9601,7 +9763,7 @@
                   </a:txBody>
                   <a:tcPr/>
                 </a:tc>
-                <a:tc>
+                <a:tc vMerge="1">
                   <a:txBody>
                     <a:bodyPr/>
                     <a:lstStyle/>
@@ -9663,7 +9825,10 @@
                     <a:bodyPr/>
                     <a:lstStyle/>
                     <a:p>
-                      <a:endParaRPr lang="it-IT" sz="1200" dirty="0"/>
+                      <a:r>
+                        <a:rPr lang="it-IT" sz="1200" dirty="0"/>
+                        <a:t>30*5</a:t>
+                      </a:r>
                     </a:p>
                   </a:txBody>
                   <a:tcPr/>
@@ -9725,7 +9890,7 @@
                   </a:txBody>
                   <a:tcPr/>
                 </a:tc>
-                <a:tc>
+                <a:tc vMerge="1">
                   <a:txBody>
                     <a:bodyPr/>
                     <a:lstStyle/>
@@ -9783,7 +9948,10 @@
                     <a:bodyPr/>
                     <a:lstStyle/>
                     <a:p>
-                      <a:endParaRPr lang="it-IT" sz="1200" dirty="0"/>
+                      <a:r>
+                        <a:rPr lang="it-IT" sz="1200" dirty="0"/>
+                        <a:t>30*5</a:t>
+                      </a:r>
                     </a:p>
                   </a:txBody>
                   <a:tcPr/>
@@ -9805,102 +9973,109 @@
                 </a:extLst>
               </a:tr>
               <a:tr h="0">
-                <a:tc vMerge="1">
-                  <a:txBody>
-                    <a:bodyPr/>
-                    <a:lstStyle/>
-                    <a:p>
-                      <a:endParaRPr lang="it-IT" sz="1200" dirty="0"/>
-                    </a:p>
-                  </a:txBody>
-                  <a:tcPr/>
-                </a:tc>
-                <a:tc vMerge="1">
-                  <a:txBody>
-                    <a:bodyPr/>
-                    <a:lstStyle/>
-                    <a:p>
-                      <a:endParaRPr lang="it-IT" sz="1200" dirty="0"/>
-                    </a:p>
-                  </a:txBody>
-                  <a:tcPr/>
-                </a:tc>
-                <a:tc vMerge="1">
-                  <a:txBody>
-                    <a:bodyPr/>
-                    <a:lstStyle/>
-                    <a:p>
-                      <a:endParaRPr lang="it-IT" sz="1200" dirty="0"/>
-                    </a:p>
-                  </a:txBody>
-                  <a:tcPr/>
-                </a:tc>
-                <a:tc vMerge="1">
-                  <a:txBody>
-                    <a:bodyPr/>
-                    <a:lstStyle/>
-                    <a:p>
-                      <a:endParaRPr lang="it-IT" sz="1200" dirty="0"/>
-                    </a:p>
-                  </a:txBody>
-                  <a:tcPr/>
-                </a:tc>
-                <a:tc>
-                  <a:txBody>
-                    <a:bodyPr/>
-                    <a:lstStyle/>
-                    <a:p>
-                      <a:endParaRPr lang="it-IT" sz="1200" dirty="0"/>
-                    </a:p>
-                  </a:txBody>
-                  <a:tcPr/>
-                </a:tc>
-                <a:tc rowSpan="8">
-                  <a:txBody>
-                    <a:bodyPr/>
-                    <a:lstStyle/>
-                    <a:p>
-                      <a:endParaRPr lang="it-IT" sz="1200" dirty="0"/>
+                <a:tc gridSpan="9">
+                  <a:txBody>
+                    <a:bodyPr/>
+                    <a:lstStyle/>
+                    <a:p>
+                      <a:pPr algn="r"/>
+                      <a:r>
+                        <a:rPr lang="it-IT" sz="1200" b="1" dirty="0"/>
+                        <a:t>TOTAL:</a:t>
+                      </a:r>
                     </a:p>
                   </a:txBody>
                   <a:tcPr anchor="ctr"/>
                 </a:tc>
-                <a:tc rowSpan="2">
-                  <a:txBody>
-                    <a:bodyPr/>
-                    <a:lstStyle/>
-                    <a:p>
-                      <a:endParaRPr lang="it-IT" sz="1200" dirty="0"/>
-                    </a:p>
-                  </a:txBody>
-                  <a:tcPr/>
-                </a:tc>
-                <a:tc>
-                  <a:txBody>
-                    <a:bodyPr/>
-                    <a:lstStyle/>
-                    <a:p>
-                      <a:endParaRPr lang="it-IT" sz="1200" dirty="0"/>
-                    </a:p>
-                  </a:txBody>
-                  <a:tcPr/>
-                </a:tc>
-                <a:tc>
-                  <a:txBody>
-                    <a:bodyPr/>
-                    <a:lstStyle/>
-                    <a:p>
-                      <a:endParaRPr lang="it-IT" sz="1200" dirty="0"/>
-                    </a:p>
-                  </a:txBody>
-                  <a:tcPr/>
-                </a:tc>
-                <a:tc>
-                  <a:txBody>
-                    <a:bodyPr/>
-                    <a:lstStyle/>
-                    <a:p>
-                      <a:endParaRPr lang="it-IT" sz="1200" dirty="0"/>
+                <a:tc hMerge="1">
+                  <a:txBody>
+                    <a:bodyPr/>
+                    <a:lstStyle/>
+                    <a:p>
+                      <a:endParaRPr lang="it-IT" sz="1200" dirty="0"/>
+                    </a:p>
+                  </a:txBody>
+                  <a:tcPr anchor="ctr"/>
+                </a:tc>
+                <a:tc hMerge="1">
+                  <a:txBody>
+                    <a:bodyPr/>
+                    <a:lstStyle/>
+                    <a:p>
+                      <a:endParaRPr lang="it-IT" sz="1200" dirty="0"/>
+                    </a:p>
+                  </a:txBody>
+                  <a:tcPr anchor="ctr"/>
+                </a:tc>
+                <a:tc hMerge="1">
+                  <a:txBody>
+                    <a:bodyPr/>
+                    <a:lstStyle/>
+                    <a:p>
+                      <a:endParaRPr lang="it-IT" sz="1200" dirty="0"/>
+                    </a:p>
+                  </a:txBody>
+                  <a:tcPr anchor="ctr"/>
+                </a:tc>
+                <a:tc hMerge="1">
+                  <a:txBody>
+                    <a:bodyPr/>
+                    <a:lstStyle/>
+                    <a:p>
+                      <a:endParaRPr lang="it-IT" sz="1200" dirty="0"/>
+                    </a:p>
+                  </a:txBody>
+                  <a:tcPr anchor="ctr"/>
+                </a:tc>
+                <a:tc hMerge="1">
+                  <a:txBody>
+                    <a:bodyPr/>
+                    <a:lstStyle/>
+                    <a:p>
+                      <a:endParaRPr lang="it-IT" sz="1200" dirty="0"/>
+                    </a:p>
+                  </a:txBody>
+                  <a:tcPr anchor="ctr"/>
+                </a:tc>
+                <a:tc hMerge="1">
+                  <a:txBody>
+                    <a:bodyPr/>
+                    <a:lstStyle/>
+                    <a:p>
+                      <a:endParaRPr lang="it-IT" sz="1200" dirty="0"/>
+                    </a:p>
+                  </a:txBody>
+                  <a:tcPr/>
+                </a:tc>
+                <a:tc hMerge="1">
+                  <a:txBody>
+                    <a:bodyPr/>
+                    <a:lstStyle/>
+                    <a:p>
+                      <a:endParaRPr lang="it-IT" sz="1200" dirty="0"/>
+                    </a:p>
+                  </a:txBody>
+                  <a:tcPr/>
+                </a:tc>
+                <a:tc hMerge="1">
+                  <a:txBody>
+                    <a:bodyPr/>
+                    <a:lstStyle/>
+                    <a:p>
+                      <a:endParaRPr lang="it-IT" sz="1200" dirty="0"/>
+                    </a:p>
+                  </a:txBody>
+                  <a:tcPr/>
+                </a:tc>
+                <a:tc>
+                  <a:txBody>
+                    <a:bodyPr/>
+                    <a:lstStyle/>
+                    <a:p>
+                      <a:r>
+                        <a:rPr lang="it-IT" sz="1200" dirty="0"/>
+                        <a:t>~4 days</a:t>
+                      </a:r>
                     </a:p>
                   </a:txBody>
                   <a:tcPr/>
@@ -9917,826 +10092,7 @@
                 </a:tc>
                 <a:extLst>
                   <a:ext uri="{0D108BD9-81ED-4DB2-BD59-A6C34878D82A}">
-                    <a16:rowId xmlns:a16="http://schemas.microsoft.com/office/drawing/2014/main" val="3321956112"/>
-                  </a:ext>
-                </a:extLst>
-              </a:tr>
-              <a:tr h="0">
-                <a:tc vMerge="1">
-                  <a:txBody>
-                    <a:bodyPr/>
-                    <a:lstStyle/>
-                    <a:p>
-                      <a:endParaRPr lang="it-IT" sz="1200" dirty="0"/>
-                    </a:p>
-                  </a:txBody>
-                  <a:tcPr/>
-                </a:tc>
-                <a:tc vMerge="1">
-                  <a:txBody>
-                    <a:bodyPr/>
-                    <a:lstStyle/>
-                    <a:p>
-                      <a:endParaRPr lang="it-IT" sz="1200" dirty="0"/>
-                    </a:p>
-                  </a:txBody>
-                  <a:tcPr/>
-                </a:tc>
-                <a:tc vMerge="1">
-                  <a:txBody>
-                    <a:bodyPr/>
-                    <a:lstStyle/>
-                    <a:p>
-                      <a:endParaRPr lang="it-IT" sz="1200" dirty="0"/>
-                    </a:p>
-                  </a:txBody>
-                  <a:tcPr/>
-                </a:tc>
-                <a:tc vMerge="1">
-                  <a:txBody>
-                    <a:bodyPr/>
-                    <a:lstStyle/>
-                    <a:p>
-                      <a:endParaRPr lang="it-IT" sz="1200" dirty="0"/>
-                    </a:p>
-                  </a:txBody>
-                  <a:tcPr/>
-                </a:tc>
-                <a:tc>
-                  <a:txBody>
-                    <a:bodyPr/>
-                    <a:lstStyle/>
-                    <a:p>
-                      <a:endParaRPr lang="it-IT" sz="1200" dirty="0"/>
-                    </a:p>
-                  </a:txBody>
-                  <a:tcPr/>
-                </a:tc>
-                <a:tc vMerge="1">
-                  <a:txBody>
-                    <a:bodyPr/>
-                    <a:lstStyle/>
-                    <a:p>
-                      <a:endParaRPr lang="it-IT" sz="1200"/>
-                    </a:p>
-                  </a:txBody>
-                  <a:tcPr/>
-                </a:tc>
-                <a:tc vMerge="1">
-                  <a:txBody>
-                    <a:bodyPr/>
-                    <a:lstStyle/>
-                    <a:p>
-                      <a:endParaRPr lang="it-IT" sz="1400" dirty="0"/>
-                    </a:p>
-                  </a:txBody>
-                  <a:tcPr/>
-                </a:tc>
-                <a:tc>
-                  <a:txBody>
-                    <a:bodyPr/>
-                    <a:lstStyle/>
-                    <a:p>
-                      <a:endParaRPr lang="it-IT" sz="1200" dirty="0"/>
-                    </a:p>
-                  </a:txBody>
-                  <a:tcPr/>
-                </a:tc>
-                <a:tc>
-                  <a:txBody>
-                    <a:bodyPr/>
-                    <a:lstStyle/>
-                    <a:p>
-                      <a:endParaRPr lang="it-IT" sz="1200" dirty="0"/>
-                    </a:p>
-                  </a:txBody>
-                  <a:tcPr/>
-                </a:tc>
-                <a:tc>
-                  <a:txBody>
-                    <a:bodyPr/>
-                    <a:lstStyle/>
-                    <a:p>
-                      <a:endParaRPr lang="it-IT" sz="1200" dirty="0"/>
-                    </a:p>
-                  </a:txBody>
-                  <a:tcPr/>
-                </a:tc>
-                <a:tc>
-                  <a:txBody>
-                    <a:bodyPr/>
-                    <a:lstStyle/>
-                    <a:p>
-                      <a:endParaRPr lang="it-IT" sz="1200" dirty="0"/>
-                    </a:p>
-                  </a:txBody>
-                  <a:tcPr/>
-                </a:tc>
-                <a:extLst>
-                  <a:ext uri="{0D108BD9-81ED-4DB2-BD59-A6C34878D82A}">
-                    <a16:rowId xmlns:a16="http://schemas.microsoft.com/office/drawing/2014/main" val="1583112290"/>
-                  </a:ext>
-                </a:extLst>
-              </a:tr>
-              <a:tr h="0">
-                <a:tc vMerge="1">
-                  <a:txBody>
-                    <a:bodyPr/>
-                    <a:lstStyle/>
-                    <a:p>
-                      <a:endParaRPr lang="it-IT" sz="1200" dirty="0"/>
-                    </a:p>
-                  </a:txBody>
-                  <a:tcPr/>
-                </a:tc>
-                <a:tc vMerge="1">
-                  <a:txBody>
-                    <a:bodyPr/>
-                    <a:lstStyle/>
-                    <a:p>
-                      <a:endParaRPr lang="it-IT" sz="1200" dirty="0"/>
-                    </a:p>
-                  </a:txBody>
-                  <a:tcPr/>
-                </a:tc>
-                <a:tc vMerge="1">
-                  <a:txBody>
-                    <a:bodyPr/>
-                    <a:lstStyle/>
-                    <a:p>
-                      <a:endParaRPr lang="it-IT" sz="1200" dirty="0"/>
-                    </a:p>
-                  </a:txBody>
-                  <a:tcPr/>
-                </a:tc>
-                <a:tc vMerge="1">
-                  <a:txBody>
-                    <a:bodyPr/>
-                    <a:lstStyle/>
-                    <a:p>
-                      <a:endParaRPr lang="it-IT" sz="1200" dirty="0"/>
-                    </a:p>
-                  </a:txBody>
-                  <a:tcPr/>
-                </a:tc>
-                <a:tc>
-                  <a:txBody>
-                    <a:bodyPr/>
-                    <a:lstStyle/>
-                    <a:p>
-                      <a:endParaRPr lang="it-IT" sz="1200" dirty="0"/>
-                    </a:p>
-                  </a:txBody>
-                  <a:tcPr/>
-                </a:tc>
-                <a:tc vMerge="1">
-                  <a:txBody>
-                    <a:bodyPr/>
-                    <a:lstStyle/>
-                    <a:p>
-                      <a:endParaRPr lang="it-IT" sz="1200"/>
-                    </a:p>
-                  </a:txBody>
-                  <a:tcPr/>
-                </a:tc>
-                <a:tc rowSpan="2">
-                  <a:txBody>
-                    <a:bodyPr/>
-                    <a:lstStyle/>
-                    <a:p>
-                      <a:endParaRPr lang="it-IT" sz="1200" dirty="0"/>
-                    </a:p>
-                  </a:txBody>
-                  <a:tcPr/>
-                </a:tc>
-                <a:tc>
-                  <a:txBody>
-                    <a:bodyPr/>
-                    <a:lstStyle/>
-                    <a:p>
-                      <a:endParaRPr lang="it-IT" sz="1200" dirty="0"/>
-                    </a:p>
-                  </a:txBody>
-                  <a:tcPr/>
-                </a:tc>
-                <a:tc>
-                  <a:txBody>
-                    <a:bodyPr/>
-                    <a:lstStyle/>
-                    <a:p>
-                      <a:endParaRPr lang="it-IT" sz="1200" dirty="0"/>
-                    </a:p>
-                  </a:txBody>
-                  <a:tcPr/>
-                </a:tc>
-                <a:tc>
-                  <a:txBody>
-                    <a:bodyPr/>
-                    <a:lstStyle/>
-                    <a:p>
-                      <a:endParaRPr lang="it-IT" sz="1200" dirty="0"/>
-                    </a:p>
-                  </a:txBody>
-                  <a:tcPr/>
-                </a:tc>
-                <a:tc>
-                  <a:txBody>
-                    <a:bodyPr/>
-                    <a:lstStyle/>
-                    <a:p>
-                      <a:endParaRPr lang="it-IT" sz="1200" dirty="0"/>
-                    </a:p>
-                  </a:txBody>
-                  <a:tcPr/>
-                </a:tc>
-                <a:extLst>
-                  <a:ext uri="{0D108BD9-81ED-4DB2-BD59-A6C34878D82A}">
-                    <a16:rowId xmlns:a16="http://schemas.microsoft.com/office/drawing/2014/main" val="388067363"/>
-                  </a:ext>
-                </a:extLst>
-              </a:tr>
-              <a:tr h="0">
-                <a:tc vMerge="1">
-                  <a:txBody>
-                    <a:bodyPr/>
-                    <a:lstStyle/>
-                    <a:p>
-                      <a:endParaRPr lang="it-IT" sz="1200" dirty="0"/>
-                    </a:p>
-                  </a:txBody>
-                  <a:tcPr/>
-                </a:tc>
-                <a:tc vMerge="1">
-                  <a:txBody>
-                    <a:bodyPr/>
-                    <a:lstStyle/>
-                    <a:p>
-                      <a:endParaRPr lang="it-IT" sz="1200" dirty="0"/>
-                    </a:p>
-                  </a:txBody>
-                  <a:tcPr/>
-                </a:tc>
-                <a:tc vMerge="1">
-                  <a:txBody>
-                    <a:bodyPr/>
-                    <a:lstStyle/>
-                    <a:p>
-                      <a:endParaRPr lang="it-IT" sz="1200" dirty="0"/>
-                    </a:p>
-                  </a:txBody>
-                  <a:tcPr/>
-                </a:tc>
-                <a:tc vMerge="1">
-                  <a:txBody>
-                    <a:bodyPr/>
-                    <a:lstStyle/>
-                    <a:p>
-                      <a:endParaRPr lang="it-IT" sz="1200" dirty="0"/>
-                    </a:p>
-                  </a:txBody>
-                  <a:tcPr/>
-                </a:tc>
-                <a:tc>
-                  <a:txBody>
-                    <a:bodyPr/>
-                    <a:lstStyle/>
-                    <a:p>
-                      <a:endParaRPr lang="it-IT" sz="1200" dirty="0"/>
-                    </a:p>
-                  </a:txBody>
-                  <a:tcPr/>
-                </a:tc>
-                <a:tc vMerge="1">
-                  <a:txBody>
-                    <a:bodyPr/>
-                    <a:lstStyle/>
-                    <a:p>
-                      <a:endParaRPr lang="it-IT" sz="1200" dirty="0"/>
-                    </a:p>
-                  </a:txBody>
-                  <a:tcPr/>
-                </a:tc>
-                <a:tc vMerge="1">
-                  <a:txBody>
-                    <a:bodyPr/>
-                    <a:lstStyle/>
-                    <a:p>
-                      <a:endParaRPr lang="it-IT" sz="1400" dirty="0"/>
-                    </a:p>
-                  </a:txBody>
-                  <a:tcPr/>
-                </a:tc>
-                <a:tc>
-                  <a:txBody>
-                    <a:bodyPr/>
-                    <a:lstStyle/>
-                    <a:p>
-                      <a:endParaRPr lang="it-IT" sz="1200" dirty="0"/>
-                    </a:p>
-                  </a:txBody>
-                  <a:tcPr/>
-                </a:tc>
-                <a:tc>
-                  <a:txBody>
-                    <a:bodyPr/>
-                    <a:lstStyle/>
-                    <a:p>
-                      <a:endParaRPr lang="it-IT" sz="1200" dirty="0"/>
-                    </a:p>
-                  </a:txBody>
-                  <a:tcPr/>
-                </a:tc>
-                <a:tc>
-                  <a:txBody>
-                    <a:bodyPr/>
-                    <a:lstStyle/>
-                    <a:p>
-                      <a:endParaRPr lang="it-IT" sz="1200" dirty="0"/>
-                    </a:p>
-                  </a:txBody>
-                  <a:tcPr/>
-                </a:tc>
-                <a:tc>
-                  <a:txBody>
-                    <a:bodyPr/>
-                    <a:lstStyle/>
-                    <a:p>
-                      <a:endParaRPr lang="it-IT" sz="1200" dirty="0"/>
-                    </a:p>
-                  </a:txBody>
-                  <a:tcPr/>
-                </a:tc>
-                <a:extLst>
-                  <a:ext uri="{0D108BD9-81ED-4DB2-BD59-A6C34878D82A}">
-                    <a16:rowId xmlns:a16="http://schemas.microsoft.com/office/drawing/2014/main" val="58569182"/>
-                  </a:ext>
-                </a:extLst>
-              </a:tr>
-              <a:tr h="0">
-                <a:tc vMerge="1">
-                  <a:txBody>
-                    <a:bodyPr/>
-                    <a:lstStyle/>
-                    <a:p>
-                      <a:endParaRPr lang="it-IT" sz="1200" dirty="0"/>
-                    </a:p>
-                  </a:txBody>
-                  <a:tcPr/>
-                </a:tc>
-                <a:tc vMerge="1">
-                  <a:txBody>
-                    <a:bodyPr/>
-                    <a:lstStyle/>
-                    <a:p>
-                      <a:endParaRPr lang="it-IT" sz="1200" dirty="0"/>
-                    </a:p>
-                  </a:txBody>
-                  <a:tcPr/>
-                </a:tc>
-                <a:tc vMerge="1">
-                  <a:txBody>
-                    <a:bodyPr/>
-                    <a:lstStyle/>
-                    <a:p>
-                      <a:endParaRPr lang="it-IT" sz="1200" dirty="0"/>
-                    </a:p>
-                  </a:txBody>
-                  <a:tcPr/>
-                </a:tc>
-                <a:tc vMerge="1">
-                  <a:txBody>
-                    <a:bodyPr/>
-                    <a:lstStyle/>
-                    <a:p>
-                      <a:endParaRPr lang="it-IT" sz="1200" dirty="0"/>
-                    </a:p>
-                  </a:txBody>
-                  <a:tcPr/>
-                </a:tc>
-                <a:tc>
-                  <a:txBody>
-                    <a:bodyPr/>
-                    <a:lstStyle/>
-                    <a:p>
-                      <a:endParaRPr lang="it-IT" sz="1200" dirty="0"/>
-                    </a:p>
-                  </a:txBody>
-                  <a:tcPr/>
-                </a:tc>
-                <a:tc vMerge="1">
-                  <a:txBody>
-                    <a:bodyPr/>
-                    <a:lstStyle/>
-                    <a:p>
-                      <a:endParaRPr lang="it-IT" sz="1200" dirty="0"/>
-                    </a:p>
-                  </a:txBody>
-                  <a:tcPr/>
-                </a:tc>
-                <a:tc rowSpan="2">
-                  <a:txBody>
-                    <a:bodyPr/>
-                    <a:lstStyle/>
-                    <a:p>
-                      <a:endParaRPr lang="it-IT" sz="1200" dirty="0"/>
-                    </a:p>
-                  </a:txBody>
-                  <a:tcPr/>
-                </a:tc>
-                <a:tc>
-                  <a:txBody>
-                    <a:bodyPr/>
-                    <a:lstStyle/>
-                    <a:p>
-                      <a:endParaRPr lang="it-IT" sz="1200" dirty="0"/>
-                    </a:p>
-                  </a:txBody>
-                  <a:tcPr/>
-                </a:tc>
-                <a:tc>
-                  <a:txBody>
-                    <a:bodyPr/>
-                    <a:lstStyle/>
-                    <a:p>
-                      <a:endParaRPr lang="it-IT" sz="1200" dirty="0"/>
-                    </a:p>
-                  </a:txBody>
-                  <a:tcPr/>
-                </a:tc>
-                <a:tc>
-                  <a:txBody>
-                    <a:bodyPr/>
-                    <a:lstStyle/>
-                    <a:p>
-                      <a:endParaRPr lang="it-IT" sz="1200" dirty="0"/>
-                    </a:p>
-                  </a:txBody>
-                  <a:tcPr/>
-                </a:tc>
-                <a:tc>
-                  <a:txBody>
-                    <a:bodyPr/>
-                    <a:lstStyle/>
-                    <a:p>
-                      <a:endParaRPr lang="it-IT" sz="1200" dirty="0"/>
-                    </a:p>
-                  </a:txBody>
-                  <a:tcPr/>
-                </a:tc>
-                <a:extLst>
-                  <a:ext uri="{0D108BD9-81ED-4DB2-BD59-A6C34878D82A}">
-                    <a16:rowId xmlns:a16="http://schemas.microsoft.com/office/drawing/2014/main" val="1328377409"/>
-                  </a:ext>
-                </a:extLst>
-              </a:tr>
-              <a:tr h="0">
-                <a:tc vMerge="1">
-                  <a:txBody>
-                    <a:bodyPr/>
-                    <a:lstStyle/>
-                    <a:p>
-                      <a:endParaRPr lang="it-IT" sz="1200" dirty="0"/>
-                    </a:p>
-                  </a:txBody>
-                  <a:tcPr/>
-                </a:tc>
-                <a:tc vMerge="1">
-                  <a:txBody>
-                    <a:bodyPr/>
-                    <a:lstStyle/>
-                    <a:p>
-                      <a:endParaRPr lang="it-IT" sz="1200" dirty="0"/>
-                    </a:p>
-                  </a:txBody>
-                  <a:tcPr/>
-                </a:tc>
-                <a:tc vMerge="1">
-                  <a:txBody>
-                    <a:bodyPr/>
-                    <a:lstStyle/>
-                    <a:p>
-                      <a:endParaRPr lang="it-IT" sz="1200" dirty="0"/>
-                    </a:p>
-                  </a:txBody>
-                  <a:tcPr/>
-                </a:tc>
-                <a:tc vMerge="1">
-                  <a:txBody>
-                    <a:bodyPr/>
-                    <a:lstStyle/>
-                    <a:p>
-                      <a:endParaRPr lang="it-IT" sz="1200" dirty="0"/>
-                    </a:p>
-                  </a:txBody>
-                  <a:tcPr/>
-                </a:tc>
-                <a:tc>
-                  <a:txBody>
-                    <a:bodyPr/>
-                    <a:lstStyle/>
-                    <a:p>
-                      <a:endParaRPr lang="it-IT" sz="1200" dirty="0"/>
-                    </a:p>
-                  </a:txBody>
-                  <a:tcPr/>
-                </a:tc>
-                <a:tc vMerge="1">
-                  <a:txBody>
-                    <a:bodyPr/>
-                    <a:lstStyle/>
-                    <a:p>
-                      <a:endParaRPr lang="it-IT" sz="1200" dirty="0"/>
-                    </a:p>
-                  </a:txBody>
-                  <a:tcPr/>
-                </a:tc>
-                <a:tc vMerge="1">
-                  <a:txBody>
-                    <a:bodyPr/>
-                    <a:lstStyle/>
-                    <a:p>
-                      <a:endParaRPr lang="it-IT" sz="1400" dirty="0"/>
-                    </a:p>
-                  </a:txBody>
-                  <a:tcPr/>
-                </a:tc>
-                <a:tc>
-                  <a:txBody>
-                    <a:bodyPr/>
-                    <a:lstStyle/>
-                    <a:p>
-                      <a:endParaRPr lang="it-IT" sz="1200" dirty="0"/>
-                    </a:p>
-                  </a:txBody>
-                  <a:tcPr/>
-                </a:tc>
-                <a:tc>
-                  <a:txBody>
-                    <a:bodyPr/>
-                    <a:lstStyle/>
-                    <a:p>
-                      <a:endParaRPr lang="it-IT" sz="1200" dirty="0"/>
-                    </a:p>
-                  </a:txBody>
-                  <a:tcPr/>
-                </a:tc>
-                <a:tc>
-                  <a:txBody>
-                    <a:bodyPr/>
-                    <a:lstStyle/>
-                    <a:p>
-                      <a:endParaRPr lang="it-IT" sz="1200" dirty="0"/>
-                    </a:p>
-                  </a:txBody>
-                  <a:tcPr/>
-                </a:tc>
-                <a:tc>
-                  <a:txBody>
-                    <a:bodyPr/>
-                    <a:lstStyle/>
-                    <a:p>
-                      <a:endParaRPr lang="it-IT" sz="1200" dirty="0"/>
-                    </a:p>
-                  </a:txBody>
-                  <a:tcPr/>
-                </a:tc>
-                <a:extLst>
-                  <a:ext uri="{0D108BD9-81ED-4DB2-BD59-A6C34878D82A}">
-                    <a16:rowId xmlns:a16="http://schemas.microsoft.com/office/drawing/2014/main" val="2276349567"/>
-                  </a:ext>
-                </a:extLst>
-              </a:tr>
-              <a:tr h="0">
-                <a:tc vMerge="1">
-                  <a:txBody>
-                    <a:bodyPr/>
-                    <a:lstStyle/>
-                    <a:p>
-                      <a:endParaRPr lang="it-IT" sz="1200" dirty="0"/>
-                    </a:p>
-                  </a:txBody>
-                  <a:tcPr/>
-                </a:tc>
-                <a:tc vMerge="1">
-                  <a:txBody>
-                    <a:bodyPr/>
-                    <a:lstStyle/>
-                    <a:p>
-                      <a:endParaRPr lang="it-IT" sz="1200" dirty="0"/>
-                    </a:p>
-                  </a:txBody>
-                  <a:tcPr/>
-                </a:tc>
-                <a:tc vMerge="1">
-                  <a:txBody>
-                    <a:bodyPr/>
-                    <a:lstStyle/>
-                    <a:p>
-                      <a:endParaRPr lang="it-IT" sz="1200" dirty="0"/>
-                    </a:p>
-                  </a:txBody>
-                  <a:tcPr/>
-                </a:tc>
-                <a:tc vMerge="1">
-                  <a:txBody>
-                    <a:bodyPr/>
-                    <a:lstStyle/>
-                    <a:p>
-                      <a:endParaRPr lang="it-IT" sz="1200" dirty="0"/>
-                    </a:p>
-                  </a:txBody>
-                  <a:tcPr/>
-                </a:tc>
-                <a:tc>
-                  <a:txBody>
-                    <a:bodyPr/>
-                    <a:lstStyle/>
-                    <a:p>
-                      <a:endParaRPr lang="it-IT" sz="1200" dirty="0"/>
-                    </a:p>
-                  </a:txBody>
-                  <a:tcPr/>
-                </a:tc>
-                <a:tc vMerge="1">
-                  <a:txBody>
-                    <a:bodyPr/>
-                    <a:lstStyle/>
-                    <a:p>
-                      <a:endParaRPr lang="it-IT" sz="1200" dirty="0"/>
-                    </a:p>
-                  </a:txBody>
-                  <a:tcPr/>
-                </a:tc>
-                <a:tc rowSpan="2">
-                  <a:txBody>
-                    <a:bodyPr/>
-                    <a:lstStyle/>
-                    <a:p>
-                      <a:endParaRPr lang="it-IT" sz="1200" dirty="0"/>
-                    </a:p>
-                  </a:txBody>
-                  <a:tcPr/>
-                </a:tc>
-                <a:tc>
-                  <a:txBody>
-                    <a:bodyPr/>
-                    <a:lstStyle/>
-                    <a:p>
-                      <a:endParaRPr lang="it-IT" sz="1200" dirty="0"/>
-                    </a:p>
-                  </a:txBody>
-                  <a:tcPr/>
-                </a:tc>
-                <a:tc>
-                  <a:txBody>
-                    <a:bodyPr/>
-                    <a:lstStyle/>
-                    <a:p>
-                      <a:endParaRPr lang="it-IT" sz="1200" dirty="0"/>
-                    </a:p>
-                  </a:txBody>
-                  <a:tcPr/>
-                </a:tc>
-                <a:tc>
-                  <a:txBody>
-                    <a:bodyPr/>
-                    <a:lstStyle/>
-                    <a:p>
-                      <a:endParaRPr lang="it-IT" sz="1200" dirty="0"/>
-                    </a:p>
-                  </a:txBody>
-                  <a:tcPr/>
-                </a:tc>
-                <a:tc>
-                  <a:txBody>
-                    <a:bodyPr/>
-                    <a:lstStyle/>
-                    <a:p>
-                      <a:endParaRPr lang="it-IT" sz="1200" dirty="0"/>
-                    </a:p>
-                  </a:txBody>
-                  <a:tcPr/>
-                </a:tc>
-                <a:extLst>
-                  <a:ext uri="{0D108BD9-81ED-4DB2-BD59-A6C34878D82A}">
-                    <a16:rowId xmlns:a16="http://schemas.microsoft.com/office/drawing/2014/main" val="2654726929"/>
-                  </a:ext>
-                </a:extLst>
-              </a:tr>
-              <a:tr h="0">
-                <a:tc vMerge="1">
-                  <a:txBody>
-                    <a:bodyPr/>
-                    <a:lstStyle/>
-                    <a:p>
-                      <a:endParaRPr lang="it-IT" sz="1200" dirty="0"/>
-                    </a:p>
-                  </a:txBody>
-                  <a:tcPr/>
-                </a:tc>
-                <a:tc vMerge="1">
-                  <a:txBody>
-                    <a:bodyPr/>
-                    <a:lstStyle/>
-                    <a:p>
-                      <a:endParaRPr lang="it-IT" sz="1200" dirty="0"/>
-                    </a:p>
-                  </a:txBody>
-                  <a:tcPr/>
-                </a:tc>
-                <a:tc vMerge="1">
-                  <a:txBody>
-                    <a:bodyPr/>
-                    <a:lstStyle/>
-                    <a:p>
-                      <a:endParaRPr lang="it-IT" sz="1200" dirty="0"/>
-                    </a:p>
-                  </a:txBody>
-                  <a:tcPr/>
-                </a:tc>
-                <a:tc vMerge="1">
-                  <a:txBody>
-                    <a:bodyPr/>
-                    <a:lstStyle/>
-                    <a:p>
-                      <a:endParaRPr lang="it-IT" sz="1200" dirty="0"/>
-                    </a:p>
-                  </a:txBody>
-                  <a:tcPr/>
-                </a:tc>
-                <a:tc>
-                  <a:txBody>
-                    <a:bodyPr/>
-                    <a:lstStyle/>
-                    <a:p>
-                      <a:endParaRPr lang="it-IT" sz="1200" dirty="0"/>
-                    </a:p>
-                  </a:txBody>
-                  <a:tcPr/>
-                </a:tc>
-                <a:tc vMerge="1">
-                  <a:txBody>
-                    <a:bodyPr/>
-                    <a:lstStyle/>
-                    <a:p>
-                      <a:endParaRPr lang="it-IT" sz="1200" dirty="0"/>
-                    </a:p>
-                  </a:txBody>
-                  <a:tcPr/>
-                </a:tc>
-                <a:tc vMerge="1">
-                  <a:txBody>
-                    <a:bodyPr/>
-                    <a:lstStyle/>
-                    <a:p>
-                      <a:endParaRPr lang="it-IT" sz="1400" dirty="0"/>
-                    </a:p>
-                  </a:txBody>
-                  <a:tcPr/>
-                </a:tc>
-                <a:tc>
-                  <a:txBody>
-                    <a:bodyPr/>
-                    <a:lstStyle/>
-                    <a:p>
-                      <a:endParaRPr lang="it-IT" sz="1200" dirty="0"/>
-                    </a:p>
-                  </a:txBody>
-                  <a:tcPr/>
-                </a:tc>
-                <a:tc>
-                  <a:txBody>
-                    <a:bodyPr/>
-                    <a:lstStyle/>
-                    <a:p>
-                      <a:endParaRPr lang="it-IT" sz="1200" dirty="0"/>
-                    </a:p>
-                  </a:txBody>
-                  <a:tcPr/>
-                </a:tc>
-                <a:tc>
-                  <a:txBody>
-                    <a:bodyPr/>
-                    <a:lstStyle/>
-                    <a:p>
-                      <a:endParaRPr lang="it-IT" sz="1200" dirty="0"/>
-                    </a:p>
-                  </a:txBody>
-                  <a:tcPr/>
-                </a:tc>
-                <a:tc>
-                  <a:txBody>
-                    <a:bodyPr/>
-                    <a:lstStyle/>
-                    <a:p>
-                      <a:endParaRPr lang="it-IT" sz="1200" dirty="0"/>
-                    </a:p>
-                  </a:txBody>
-                  <a:tcPr/>
-                </a:tc>
-                <a:extLst>
-                  <a:ext uri="{0D108BD9-81ED-4DB2-BD59-A6C34878D82A}">
-                    <a16:rowId xmlns:a16="http://schemas.microsoft.com/office/drawing/2014/main" val="4223584153"/>
+                    <a16:rowId xmlns:a16="http://schemas.microsoft.com/office/drawing/2014/main" val="2011557742"/>
                   </a:ext>
                 </a:extLst>
               </a:tr>

--- a/extra_material/exp_plan.pptx
+++ b/extra_material/exp_plan.pptx
@@ -262,7 +262,7 @@
           <a:p>
             <a:fld id="{D9DFC112-CD81-6544-BC9B-69B280E44EE3}" type="datetimeFigureOut">
               <a:rPr lang="it-IT" smtClean="0"/>
-              <a:t>07/03/25</a:t>
+              <a:t>10/03/25</a:t>
             </a:fld>
             <a:endParaRPr lang="it-IT"/>
           </a:p>
@@ -460,7 +460,7 @@
           <a:p>
             <a:fld id="{D9DFC112-CD81-6544-BC9B-69B280E44EE3}" type="datetimeFigureOut">
               <a:rPr lang="it-IT" smtClean="0"/>
-              <a:t>07/03/25</a:t>
+              <a:t>10/03/25</a:t>
             </a:fld>
             <a:endParaRPr lang="it-IT"/>
           </a:p>
@@ -668,7 +668,7 @@
           <a:p>
             <a:fld id="{D9DFC112-CD81-6544-BC9B-69B280E44EE3}" type="datetimeFigureOut">
               <a:rPr lang="it-IT" smtClean="0"/>
-              <a:t>07/03/25</a:t>
+              <a:t>10/03/25</a:t>
             </a:fld>
             <a:endParaRPr lang="it-IT"/>
           </a:p>
@@ -866,7 +866,7 @@
           <a:p>
             <a:fld id="{D9DFC112-CD81-6544-BC9B-69B280E44EE3}" type="datetimeFigureOut">
               <a:rPr lang="it-IT" smtClean="0"/>
-              <a:t>07/03/25</a:t>
+              <a:t>10/03/25</a:t>
             </a:fld>
             <a:endParaRPr lang="it-IT"/>
           </a:p>
@@ -1141,7 +1141,7 @@
           <a:p>
             <a:fld id="{D9DFC112-CD81-6544-BC9B-69B280E44EE3}" type="datetimeFigureOut">
               <a:rPr lang="it-IT" smtClean="0"/>
-              <a:t>07/03/25</a:t>
+              <a:t>10/03/25</a:t>
             </a:fld>
             <a:endParaRPr lang="it-IT"/>
           </a:p>
@@ -1406,7 +1406,7 @@
           <a:p>
             <a:fld id="{D9DFC112-CD81-6544-BC9B-69B280E44EE3}" type="datetimeFigureOut">
               <a:rPr lang="it-IT" smtClean="0"/>
-              <a:t>07/03/25</a:t>
+              <a:t>10/03/25</a:t>
             </a:fld>
             <a:endParaRPr lang="it-IT"/>
           </a:p>
@@ -1818,7 +1818,7 @@
           <a:p>
             <a:fld id="{D9DFC112-CD81-6544-BC9B-69B280E44EE3}" type="datetimeFigureOut">
               <a:rPr lang="it-IT" smtClean="0"/>
-              <a:t>07/03/25</a:t>
+              <a:t>10/03/25</a:t>
             </a:fld>
             <a:endParaRPr lang="it-IT"/>
           </a:p>
@@ -1959,7 +1959,7 @@
           <a:p>
             <a:fld id="{D9DFC112-CD81-6544-BC9B-69B280E44EE3}" type="datetimeFigureOut">
               <a:rPr lang="it-IT" smtClean="0"/>
-              <a:t>07/03/25</a:t>
+              <a:t>10/03/25</a:t>
             </a:fld>
             <a:endParaRPr lang="it-IT"/>
           </a:p>
@@ -2072,7 +2072,7 @@
           <a:p>
             <a:fld id="{D9DFC112-CD81-6544-BC9B-69B280E44EE3}" type="datetimeFigureOut">
               <a:rPr lang="it-IT" smtClean="0"/>
-              <a:t>07/03/25</a:t>
+              <a:t>10/03/25</a:t>
             </a:fld>
             <a:endParaRPr lang="it-IT"/>
           </a:p>
@@ -2383,7 +2383,7 @@
           <a:p>
             <a:fld id="{D9DFC112-CD81-6544-BC9B-69B280E44EE3}" type="datetimeFigureOut">
               <a:rPr lang="it-IT" smtClean="0"/>
-              <a:t>07/03/25</a:t>
+              <a:t>10/03/25</a:t>
             </a:fld>
             <a:endParaRPr lang="it-IT"/>
           </a:p>
@@ -2671,7 +2671,7 @@
           <a:p>
             <a:fld id="{D9DFC112-CD81-6544-BC9B-69B280E44EE3}" type="datetimeFigureOut">
               <a:rPr lang="it-IT" smtClean="0"/>
-              <a:t>07/03/25</a:t>
+              <a:t>10/03/25</a:t>
             </a:fld>
             <a:endParaRPr lang="it-IT"/>
           </a:p>
@@ -2912,7 +2912,7 @@
           <a:p>
             <a:fld id="{D9DFC112-CD81-6544-BC9B-69B280E44EE3}" type="datetimeFigureOut">
               <a:rPr lang="it-IT" smtClean="0"/>
-              <a:t>07/03/25</a:t>
+              <a:t>10/03/25</a:t>
             </a:fld>
             <a:endParaRPr lang="it-IT"/>
           </a:p>
@@ -3449,7 +3449,7 @@
           <p:nvPr>
             <p:extLst>
               <p:ext uri="{D42A27DB-BD31-4B8C-83A1-F6EECF244321}">
-                <p14:modId xmlns:p14="http://schemas.microsoft.com/office/powerpoint/2010/main" val="813870294"/>
+                <p14:modId xmlns:p14="http://schemas.microsoft.com/office/powerpoint/2010/main" val="3611953778"/>
               </p:ext>
             </p:extLst>
           </p:nvPr>
@@ -4090,20 +4090,20 @@
                     <a:bodyPr/>
                     <a:lstStyle/>
                     <a:p>
-                      <a:r>
-                        <a:rPr lang="it-IT" sz="1200" dirty="0"/>
-                        <a:t>30*5</a:t>
-                      </a:r>
-                    </a:p>
-                  </a:txBody>
-                  <a:tcPr/>
-                </a:tc>
-                <a:tc>
-                  <a:txBody>
-                    <a:bodyPr/>
-                    <a:lstStyle/>
-                    <a:p>
-                      <a:endParaRPr lang="it-IT" sz="1200" dirty="0"/>
+                      <a:endParaRPr lang="it-IT" sz="1200" dirty="0"/>
+                    </a:p>
+                  </a:txBody>
+                  <a:tcPr/>
+                </a:tc>
+                <a:tc>
+                  <a:txBody>
+                    <a:bodyPr/>
+                    <a:lstStyle/>
+                    <a:p>
+                      <a:r>
+                        <a:rPr lang="it-IT" sz="1200" dirty="0"/>
+                        <a:t>Y</a:t>
+                      </a:r>
                     </a:p>
                   </a:txBody>
                   <a:tcPr/>
@@ -4340,20 +4340,20 @@
                     <a:bodyPr/>
                     <a:lstStyle/>
                     <a:p>
-                      <a:r>
-                        <a:rPr lang="it-IT" sz="1200" dirty="0"/>
-                        <a:t>30*5</a:t>
-                      </a:r>
-                    </a:p>
-                  </a:txBody>
-                  <a:tcPr/>
-                </a:tc>
-                <a:tc>
-                  <a:txBody>
-                    <a:bodyPr/>
-                    <a:lstStyle/>
-                    <a:p>
-                      <a:endParaRPr lang="it-IT" sz="1200" dirty="0"/>
+                      <a:endParaRPr lang="it-IT" sz="1200" dirty="0"/>
+                    </a:p>
+                  </a:txBody>
+                  <a:tcPr/>
+                </a:tc>
+                <a:tc>
+                  <a:txBody>
+                    <a:bodyPr/>
+                    <a:lstStyle/>
+                    <a:p>
+                      <a:r>
+                        <a:rPr lang="it-IT" sz="1200" dirty="0"/>
+                        <a:t>Y</a:t>
+                      </a:r>
                     </a:p>
                   </a:txBody>
                   <a:tcPr/>
@@ -4590,20 +4590,20 @@
                     <a:bodyPr/>
                     <a:lstStyle/>
                     <a:p>
-                      <a:r>
-                        <a:rPr lang="it-IT" sz="1200" dirty="0"/>
-                        <a:t>30*5</a:t>
-                      </a:r>
-                    </a:p>
-                  </a:txBody>
-                  <a:tcPr/>
-                </a:tc>
-                <a:tc>
-                  <a:txBody>
-                    <a:bodyPr/>
-                    <a:lstStyle/>
-                    <a:p>
-                      <a:endParaRPr lang="it-IT" sz="1200" dirty="0"/>
+                      <a:endParaRPr lang="it-IT" sz="1200" dirty="0"/>
+                    </a:p>
+                  </a:txBody>
+                  <a:tcPr/>
+                </a:tc>
+                <a:tc>
+                  <a:txBody>
+                    <a:bodyPr/>
+                    <a:lstStyle/>
+                    <a:p>
+                      <a:r>
+                        <a:rPr lang="it-IT" sz="1200" dirty="0"/>
+                        <a:t>Y</a:t>
+                      </a:r>
                     </a:p>
                   </a:txBody>
                   <a:tcPr/>
@@ -5962,7 +5962,7 @@
           <p:nvPr>
             <p:extLst>
               <p:ext uri="{D42A27DB-BD31-4B8C-83A1-F6EECF244321}">
-                <p14:modId xmlns:p14="http://schemas.microsoft.com/office/powerpoint/2010/main" val="1331895623"/>
+                <p14:modId xmlns:p14="http://schemas.microsoft.com/office/powerpoint/2010/main" val="18833515"/>
               </p:ext>
             </p:extLst>
           </p:nvPr>
@@ -6636,20 +6636,20 @@
                     <a:bodyPr/>
                     <a:lstStyle/>
                     <a:p>
-                      <a:r>
-                        <a:rPr lang="it-IT" sz="1200" dirty="0"/>
-                        <a:t>30*5</a:t>
-                      </a:r>
-                    </a:p>
-                  </a:txBody>
-                  <a:tcPr/>
-                </a:tc>
-                <a:tc>
-                  <a:txBody>
-                    <a:bodyPr/>
-                    <a:lstStyle/>
-                    <a:p>
-                      <a:endParaRPr lang="it-IT" sz="1200" dirty="0"/>
+                      <a:endParaRPr lang="it-IT" sz="1200" dirty="0"/>
+                    </a:p>
+                  </a:txBody>
+                  <a:tcPr/>
+                </a:tc>
+                <a:tc>
+                  <a:txBody>
+                    <a:bodyPr/>
+                    <a:lstStyle/>
+                    <a:p>
+                      <a:r>
+                        <a:rPr lang="it-IT" sz="1200" dirty="0"/>
+                        <a:t>Y</a:t>
+                      </a:r>
                     </a:p>
                   </a:txBody>
                   <a:tcPr/>
@@ -6886,20 +6886,20 @@
                     <a:bodyPr/>
                     <a:lstStyle/>
                     <a:p>
-                      <a:r>
-                        <a:rPr lang="it-IT" sz="1200" dirty="0"/>
-                        <a:t>30*5</a:t>
-                      </a:r>
-                    </a:p>
-                  </a:txBody>
-                  <a:tcPr/>
-                </a:tc>
-                <a:tc>
-                  <a:txBody>
-                    <a:bodyPr/>
-                    <a:lstStyle/>
-                    <a:p>
-                      <a:endParaRPr lang="it-IT" sz="1200" dirty="0"/>
+                      <a:endParaRPr lang="it-IT" sz="1200" dirty="0"/>
+                    </a:p>
+                  </a:txBody>
+                  <a:tcPr/>
+                </a:tc>
+                <a:tc>
+                  <a:txBody>
+                    <a:bodyPr/>
+                    <a:lstStyle/>
+                    <a:p>
+                      <a:r>
+                        <a:rPr lang="it-IT" sz="1200" dirty="0"/>
+                        <a:t>Y</a:t>
+                      </a:r>
                     </a:p>
                   </a:txBody>
                   <a:tcPr/>
@@ -7136,20 +7136,20 @@
                     <a:bodyPr/>
                     <a:lstStyle/>
                     <a:p>
-                      <a:r>
-                        <a:rPr lang="it-IT" sz="1200" dirty="0"/>
-                        <a:t>30*5</a:t>
-                      </a:r>
-                    </a:p>
-                  </a:txBody>
-                  <a:tcPr/>
-                </a:tc>
-                <a:tc>
-                  <a:txBody>
-                    <a:bodyPr/>
-                    <a:lstStyle/>
-                    <a:p>
-                      <a:endParaRPr lang="it-IT" sz="1200" dirty="0"/>
+                      <a:endParaRPr lang="it-IT" sz="1200" dirty="0"/>
+                    </a:p>
+                  </a:txBody>
+                  <a:tcPr/>
+                </a:tc>
+                <a:tc>
+                  <a:txBody>
+                    <a:bodyPr/>
+                    <a:lstStyle/>
+                    <a:p>
+                      <a:r>
+                        <a:rPr lang="it-IT" sz="1200" dirty="0"/>
+                        <a:t>Y</a:t>
+                      </a:r>
                     </a:p>
                   </a:txBody>
                   <a:tcPr/>
@@ -7655,20 +7655,20 @@
                     <a:bodyPr/>
                     <a:lstStyle/>
                     <a:p>
-                      <a:r>
-                        <a:rPr lang="it-IT" sz="1200" dirty="0"/>
-                        <a:t>30*5</a:t>
-                      </a:r>
-                    </a:p>
-                  </a:txBody>
-                  <a:tcPr/>
-                </a:tc>
-                <a:tc>
-                  <a:txBody>
-                    <a:bodyPr/>
-                    <a:lstStyle/>
-                    <a:p>
-                      <a:endParaRPr lang="it-IT" sz="1200" dirty="0"/>
+                      <a:endParaRPr lang="it-IT" sz="1200" dirty="0"/>
+                    </a:p>
+                  </a:txBody>
+                  <a:tcPr/>
+                </a:tc>
+                <a:tc>
+                  <a:txBody>
+                    <a:bodyPr/>
+                    <a:lstStyle/>
+                    <a:p>
+                      <a:r>
+                        <a:rPr lang="it-IT" sz="1200" dirty="0"/>
+                        <a:t>Y</a:t>
+                      </a:r>
                     </a:p>
                   </a:txBody>
                   <a:tcPr/>
@@ -7905,20 +7905,20 @@
                     <a:bodyPr/>
                     <a:lstStyle/>
                     <a:p>
-                      <a:r>
-                        <a:rPr lang="it-IT" sz="1200" dirty="0"/>
-                        <a:t>30*5</a:t>
-                      </a:r>
-                    </a:p>
-                  </a:txBody>
-                  <a:tcPr/>
-                </a:tc>
-                <a:tc>
-                  <a:txBody>
-                    <a:bodyPr/>
-                    <a:lstStyle/>
-                    <a:p>
-                      <a:endParaRPr lang="it-IT" sz="1200" dirty="0"/>
+                      <a:endParaRPr lang="it-IT" sz="1200" dirty="0"/>
+                    </a:p>
+                  </a:txBody>
+                  <a:tcPr/>
+                </a:tc>
+                <a:tc>
+                  <a:txBody>
+                    <a:bodyPr/>
+                    <a:lstStyle/>
+                    <a:p>
+                      <a:r>
+                        <a:rPr lang="it-IT" sz="1200" dirty="0"/>
+                        <a:t>Y</a:t>
+                      </a:r>
                     </a:p>
                   </a:txBody>
                   <a:tcPr/>
@@ -8155,20 +8155,20 @@
                     <a:bodyPr/>
                     <a:lstStyle/>
                     <a:p>
-                      <a:r>
-                        <a:rPr lang="it-IT" sz="1200" dirty="0"/>
-                        <a:t>30*5</a:t>
-                      </a:r>
-                    </a:p>
-                  </a:txBody>
-                  <a:tcPr/>
-                </a:tc>
-                <a:tc>
-                  <a:txBody>
-                    <a:bodyPr/>
-                    <a:lstStyle/>
-                    <a:p>
-                      <a:endParaRPr lang="it-IT" sz="1200" dirty="0"/>
+                      <a:endParaRPr lang="it-IT" sz="1200" dirty="0"/>
+                    </a:p>
+                  </a:txBody>
+                  <a:tcPr/>
+                </a:tc>
+                <a:tc>
+                  <a:txBody>
+                    <a:bodyPr/>
+                    <a:lstStyle/>
+                    <a:p>
+                      <a:r>
+                        <a:rPr lang="it-IT" sz="1200" dirty="0"/>
+                        <a:t>Y</a:t>
+                      </a:r>
                     </a:p>
                   </a:txBody>
                   <a:tcPr/>
@@ -8524,7 +8524,7 @@
           <p:nvPr>
             <p:extLst>
               <p:ext uri="{D42A27DB-BD31-4B8C-83A1-F6EECF244321}">
-                <p14:modId xmlns:p14="http://schemas.microsoft.com/office/powerpoint/2010/main" val="3889456345"/>
+                <p14:modId xmlns:p14="http://schemas.microsoft.com/office/powerpoint/2010/main" val="3992493208"/>
               </p:ext>
             </p:extLst>
           </p:nvPr>
@@ -9198,20 +9198,20 @@
                     <a:bodyPr/>
                     <a:lstStyle/>
                     <a:p>
-                      <a:r>
-                        <a:rPr lang="it-IT" sz="1200" dirty="0"/>
-                        <a:t>30*5</a:t>
-                      </a:r>
-                    </a:p>
-                  </a:txBody>
-                  <a:tcPr/>
-                </a:tc>
-                <a:tc>
-                  <a:txBody>
-                    <a:bodyPr/>
-                    <a:lstStyle/>
-                    <a:p>
-                      <a:endParaRPr lang="it-IT" sz="1200" dirty="0"/>
+                      <a:endParaRPr lang="it-IT" sz="1200" dirty="0"/>
+                    </a:p>
+                  </a:txBody>
+                  <a:tcPr/>
+                </a:tc>
+                <a:tc>
+                  <a:txBody>
+                    <a:bodyPr/>
+                    <a:lstStyle/>
+                    <a:p>
+                      <a:r>
+                        <a:rPr lang="it-IT" sz="1200" dirty="0"/>
+                        <a:t>Y</a:t>
+                      </a:r>
                     </a:p>
                   </a:txBody>
                   <a:tcPr/>
@@ -9448,20 +9448,20 @@
                     <a:bodyPr/>
                     <a:lstStyle/>
                     <a:p>
-                      <a:r>
-                        <a:rPr lang="it-IT" sz="1200" dirty="0"/>
-                        <a:t>30*5</a:t>
-                      </a:r>
-                    </a:p>
-                  </a:txBody>
-                  <a:tcPr/>
-                </a:tc>
-                <a:tc>
-                  <a:txBody>
-                    <a:bodyPr/>
-                    <a:lstStyle/>
-                    <a:p>
-                      <a:endParaRPr lang="it-IT" sz="1200" dirty="0"/>
+                      <a:endParaRPr lang="it-IT" sz="1200" dirty="0"/>
+                    </a:p>
+                  </a:txBody>
+                  <a:tcPr/>
+                </a:tc>
+                <a:tc>
+                  <a:txBody>
+                    <a:bodyPr/>
+                    <a:lstStyle/>
+                    <a:p>
+                      <a:r>
+                        <a:rPr lang="it-IT" sz="1200" dirty="0"/>
+                        <a:t>Y</a:t>
+                      </a:r>
                     </a:p>
                   </a:txBody>
                   <a:tcPr/>
@@ -9698,20 +9698,20 @@
                     <a:bodyPr/>
                     <a:lstStyle/>
                     <a:p>
-                      <a:r>
-                        <a:rPr lang="it-IT" sz="1200" dirty="0"/>
-                        <a:t>30*5</a:t>
-                      </a:r>
-                    </a:p>
-                  </a:txBody>
-                  <a:tcPr/>
-                </a:tc>
-                <a:tc>
-                  <a:txBody>
-                    <a:bodyPr/>
-                    <a:lstStyle/>
-                    <a:p>
-                      <a:endParaRPr lang="it-IT" sz="1200" dirty="0"/>
+                      <a:endParaRPr lang="it-IT" sz="1200" dirty="0"/>
+                    </a:p>
+                  </a:txBody>
+                  <a:tcPr/>
+                </a:tc>
+                <a:tc>
+                  <a:txBody>
+                    <a:bodyPr/>
+                    <a:lstStyle/>
+                    <a:p>
+                      <a:r>
+                        <a:rPr lang="it-IT" sz="1200" dirty="0"/>
+                        <a:t>Y</a:t>
+                      </a:r>
                     </a:p>
                   </a:txBody>
                   <a:tcPr/>
@@ -10073,8 +10073,12 @@
                     <a:lstStyle/>
                     <a:p>
                       <a:r>
-                        <a:rPr lang="it-IT" sz="1200" dirty="0"/>
-                        <a:t>~4 days</a:t>
+                        <a:rPr lang="it-IT" sz="1200"/>
+                        <a:t>~ 3 </a:t>
+                      </a:r>
+                      <a:r>
+                        <a:rPr lang="it-IT" sz="1200" dirty="0"/>
+                        <a:t>days</a:t>
                       </a:r>
                     </a:p>
                   </a:txBody>

--- a/extra_material/exp_plan.pptx
+++ b/extra_material/exp_plan.pptx
@@ -262,7 +262,7 @@
           <a:p>
             <a:fld id="{D9DFC112-CD81-6544-BC9B-69B280E44EE3}" type="datetimeFigureOut">
               <a:rPr lang="it-IT" smtClean="0"/>
-              <a:t>10/03/25</a:t>
+              <a:t>12/03/25</a:t>
             </a:fld>
             <a:endParaRPr lang="it-IT"/>
           </a:p>
@@ -460,7 +460,7 @@
           <a:p>
             <a:fld id="{D9DFC112-CD81-6544-BC9B-69B280E44EE3}" type="datetimeFigureOut">
               <a:rPr lang="it-IT" smtClean="0"/>
-              <a:t>10/03/25</a:t>
+              <a:t>12/03/25</a:t>
             </a:fld>
             <a:endParaRPr lang="it-IT"/>
           </a:p>
@@ -668,7 +668,7 @@
           <a:p>
             <a:fld id="{D9DFC112-CD81-6544-BC9B-69B280E44EE3}" type="datetimeFigureOut">
               <a:rPr lang="it-IT" smtClean="0"/>
-              <a:t>10/03/25</a:t>
+              <a:t>12/03/25</a:t>
             </a:fld>
             <a:endParaRPr lang="it-IT"/>
           </a:p>
@@ -866,7 +866,7 @@
           <a:p>
             <a:fld id="{D9DFC112-CD81-6544-BC9B-69B280E44EE3}" type="datetimeFigureOut">
               <a:rPr lang="it-IT" smtClean="0"/>
-              <a:t>10/03/25</a:t>
+              <a:t>12/03/25</a:t>
             </a:fld>
             <a:endParaRPr lang="it-IT"/>
           </a:p>
@@ -1141,7 +1141,7 @@
           <a:p>
             <a:fld id="{D9DFC112-CD81-6544-BC9B-69B280E44EE3}" type="datetimeFigureOut">
               <a:rPr lang="it-IT" smtClean="0"/>
-              <a:t>10/03/25</a:t>
+              <a:t>12/03/25</a:t>
             </a:fld>
             <a:endParaRPr lang="it-IT"/>
           </a:p>
@@ -1406,7 +1406,7 @@
           <a:p>
             <a:fld id="{D9DFC112-CD81-6544-BC9B-69B280E44EE3}" type="datetimeFigureOut">
               <a:rPr lang="it-IT" smtClean="0"/>
-              <a:t>10/03/25</a:t>
+              <a:t>12/03/25</a:t>
             </a:fld>
             <a:endParaRPr lang="it-IT"/>
           </a:p>
@@ -1818,7 +1818,7 @@
           <a:p>
             <a:fld id="{D9DFC112-CD81-6544-BC9B-69B280E44EE3}" type="datetimeFigureOut">
               <a:rPr lang="it-IT" smtClean="0"/>
-              <a:t>10/03/25</a:t>
+              <a:t>12/03/25</a:t>
             </a:fld>
             <a:endParaRPr lang="it-IT"/>
           </a:p>
@@ -1959,7 +1959,7 @@
           <a:p>
             <a:fld id="{D9DFC112-CD81-6544-BC9B-69B280E44EE3}" type="datetimeFigureOut">
               <a:rPr lang="it-IT" smtClean="0"/>
-              <a:t>10/03/25</a:t>
+              <a:t>12/03/25</a:t>
             </a:fld>
             <a:endParaRPr lang="it-IT"/>
           </a:p>
@@ -2072,7 +2072,7 @@
           <a:p>
             <a:fld id="{D9DFC112-CD81-6544-BC9B-69B280E44EE3}" type="datetimeFigureOut">
               <a:rPr lang="it-IT" smtClean="0"/>
-              <a:t>10/03/25</a:t>
+              <a:t>12/03/25</a:t>
             </a:fld>
             <a:endParaRPr lang="it-IT"/>
           </a:p>
@@ -2383,7 +2383,7 @@
           <a:p>
             <a:fld id="{D9DFC112-CD81-6544-BC9B-69B280E44EE3}" type="datetimeFigureOut">
               <a:rPr lang="it-IT" smtClean="0"/>
-              <a:t>10/03/25</a:t>
+              <a:t>12/03/25</a:t>
             </a:fld>
             <a:endParaRPr lang="it-IT"/>
           </a:p>
@@ -2671,7 +2671,7 @@
           <a:p>
             <a:fld id="{D9DFC112-CD81-6544-BC9B-69B280E44EE3}" type="datetimeFigureOut">
               <a:rPr lang="it-IT" smtClean="0"/>
-              <a:t>10/03/25</a:t>
+              <a:t>12/03/25</a:t>
             </a:fld>
             <a:endParaRPr lang="it-IT"/>
           </a:p>
@@ -2912,7 +2912,7 @@
           <a:p>
             <a:fld id="{D9DFC112-CD81-6544-BC9B-69B280E44EE3}" type="datetimeFigureOut">
               <a:rPr lang="it-IT" smtClean="0"/>
-              <a:t>10/03/25</a:t>
+              <a:t>12/03/25</a:t>
             </a:fld>
             <a:endParaRPr lang="it-IT"/>
           </a:p>
@@ -3449,7 +3449,7 @@
           <p:nvPr>
             <p:extLst>
               <p:ext uri="{D42A27DB-BD31-4B8C-83A1-F6EECF244321}">
-                <p14:modId xmlns:p14="http://schemas.microsoft.com/office/powerpoint/2010/main" val="3611953778"/>
+                <p14:modId xmlns:p14="http://schemas.microsoft.com/office/powerpoint/2010/main" val="3330784290"/>
               </p:ext>
             </p:extLst>
           </p:nvPr>
@@ -3967,20 +3967,20 @@
                     <a:bodyPr/>
                     <a:lstStyle/>
                     <a:p>
-                      <a:r>
-                        <a:rPr lang="it-IT" sz="1200" dirty="0"/>
-                        <a:t>30*5</a:t>
-                      </a:r>
-                    </a:p>
-                  </a:txBody>
-                  <a:tcPr/>
-                </a:tc>
-                <a:tc>
-                  <a:txBody>
-                    <a:bodyPr/>
-                    <a:lstStyle/>
-                    <a:p>
-                      <a:endParaRPr lang="it-IT" sz="1200" dirty="0"/>
+                      <a:endParaRPr lang="it-IT" sz="1200" dirty="0"/>
+                    </a:p>
+                  </a:txBody>
+                  <a:tcPr/>
+                </a:tc>
+                <a:tc>
+                  <a:txBody>
+                    <a:bodyPr/>
+                    <a:lstStyle/>
+                    <a:p>
+                      <a:r>
+                        <a:rPr lang="it-IT" sz="1200" dirty="0"/>
+                        <a:t>Y</a:t>
+                      </a:r>
                     </a:p>
                   </a:txBody>
                   <a:tcPr/>
@@ -4217,20 +4217,20 @@
                     <a:bodyPr/>
                     <a:lstStyle/>
                     <a:p>
-                      <a:r>
-                        <a:rPr lang="it-IT" sz="1200" dirty="0"/>
-                        <a:t>30*5</a:t>
-                      </a:r>
-                    </a:p>
-                  </a:txBody>
-                  <a:tcPr/>
-                </a:tc>
-                <a:tc>
-                  <a:txBody>
-                    <a:bodyPr/>
-                    <a:lstStyle/>
-                    <a:p>
-                      <a:endParaRPr lang="it-IT" sz="1200" dirty="0"/>
+                      <a:endParaRPr lang="it-IT" sz="1200" dirty="0"/>
+                    </a:p>
+                  </a:txBody>
+                  <a:tcPr/>
+                </a:tc>
+                <a:tc>
+                  <a:txBody>
+                    <a:bodyPr/>
+                    <a:lstStyle/>
+                    <a:p>
+                      <a:r>
+                        <a:rPr lang="it-IT" sz="1200" dirty="0"/>
+                        <a:t>Y</a:t>
+                      </a:r>
                     </a:p>
                   </a:txBody>
                   <a:tcPr/>
@@ -4467,20 +4467,20 @@
                     <a:bodyPr/>
                     <a:lstStyle/>
                     <a:p>
-                      <a:r>
-                        <a:rPr lang="it-IT" sz="1200" dirty="0"/>
-                        <a:t>30*5</a:t>
-                      </a:r>
-                    </a:p>
-                  </a:txBody>
-                  <a:tcPr/>
-                </a:tc>
-                <a:tc>
-                  <a:txBody>
-                    <a:bodyPr/>
-                    <a:lstStyle/>
-                    <a:p>
-                      <a:endParaRPr lang="it-IT" sz="1200" dirty="0"/>
+                      <a:endParaRPr lang="it-IT" sz="1200" dirty="0"/>
+                    </a:p>
+                  </a:txBody>
+                  <a:tcPr/>
+                </a:tc>
+                <a:tc>
+                  <a:txBody>
+                    <a:bodyPr/>
+                    <a:lstStyle/>
+                    <a:p>
+                      <a:r>
+                        <a:rPr lang="it-IT" sz="1200" dirty="0"/>
+                        <a:t>Y</a:t>
+                      </a:r>
                     </a:p>
                   </a:txBody>
                   <a:tcPr/>
@@ -5962,7 +5962,7 @@
           <p:nvPr>
             <p:extLst>
               <p:ext uri="{D42A27DB-BD31-4B8C-83A1-F6EECF244321}">
-                <p14:modId xmlns:p14="http://schemas.microsoft.com/office/powerpoint/2010/main" val="18833515"/>
+                <p14:modId xmlns:p14="http://schemas.microsoft.com/office/powerpoint/2010/main" val="3911989121"/>
               </p:ext>
             </p:extLst>
           </p:nvPr>
@@ -6513,20 +6513,20 @@
                     <a:bodyPr/>
                     <a:lstStyle/>
                     <a:p>
-                      <a:r>
-                        <a:rPr lang="it-IT" sz="1200" dirty="0"/>
-                        <a:t>30*5</a:t>
-                      </a:r>
-                    </a:p>
-                  </a:txBody>
-                  <a:tcPr/>
-                </a:tc>
-                <a:tc>
-                  <a:txBody>
-                    <a:bodyPr/>
-                    <a:lstStyle/>
-                    <a:p>
-                      <a:endParaRPr lang="it-IT" sz="1200" dirty="0"/>
+                      <a:endParaRPr lang="it-IT" sz="1200" dirty="0"/>
+                    </a:p>
+                  </a:txBody>
+                  <a:tcPr/>
+                </a:tc>
+                <a:tc>
+                  <a:txBody>
+                    <a:bodyPr/>
+                    <a:lstStyle/>
+                    <a:p>
+                      <a:r>
+                        <a:rPr lang="it-IT" sz="1200" dirty="0"/>
+                        <a:t>Y</a:t>
+                      </a:r>
                     </a:p>
                   </a:txBody>
                   <a:tcPr/>
@@ -6763,20 +6763,20 @@
                     <a:bodyPr/>
                     <a:lstStyle/>
                     <a:p>
-                      <a:r>
-                        <a:rPr lang="it-IT" sz="1200" dirty="0"/>
-                        <a:t>30*5</a:t>
-                      </a:r>
-                    </a:p>
-                  </a:txBody>
-                  <a:tcPr/>
-                </a:tc>
-                <a:tc>
-                  <a:txBody>
-                    <a:bodyPr/>
-                    <a:lstStyle/>
-                    <a:p>
-                      <a:endParaRPr lang="it-IT" sz="1200" dirty="0"/>
+                      <a:endParaRPr lang="it-IT" sz="1200" dirty="0"/>
+                    </a:p>
+                  </a:txBody>
+                  <a:tcPr/>
+                </a:tc>
+                <a:tc>
+                  <a:txBody>
+                    <a:bodyPr/>
+                    <a:lstStyle/>
+                    <a:p>
+                      <a:r>
+                        <a:rPr lang="it-IT" sz="1200" dirty="0"/>
+                        <a:t>Y</a:t>
+                      </a:r>
                     </a:p>
                   </a:txBody>
                   <a:tcPr/>
@@ -7013,20 +7013,20 @@
                     <a:bodyPr/>
                     <a:lstStyle/>
                     <a:p>
-                      <a:r>
-                        <a:rPr lang="it-IT" sz="1200" dirty="0"/>
-                        <a:t>30*5</a:t>
-                      </a:r>
-                    </a:p>
-                  </a:txBody>
-                  <a:tcPr/>
-                </a:tc>
-                <a:tc>
-                  <a:txBody>
-                    <a:bodyPr/>
-                    <a:lstStyle/>
-                    <a:p>
-                      <a:endParaRPr lang="it-IT" sz="1200" dirty="0"/>
+                      <a:endParaRPr lang="it-IT" sz="1200" dirty="0"/>
+                    </a:p>
+                  </a:txBody>
+                  <a:tcPr/>
+                </a:tc>
+                <a:tc>
+                  <a:txBody>
+                    <a:bodyPr/>
+                    <a:lstStyle/>
+                    <a:p>
+                      <a:r>
+                        <a:rPr lang="it-IT" sz="1200" dirty="0"/>
+                        <a:t>Y</a:t>
+                      </a:r>
                     </a:p>
                   </a:txBody>
                   <a:tcPr/>
@@ -7532,20 +7532,20 @@
                     <a:bodyPr/>
                     <a:lstStyle/>
                     <a:p>
-                      <a:r>
-                        <a:rPr lang="it-IT" sz="1200" dirty="0"/>
-                        <a:t>30*5</a:t>
-                      </a:r>
-                    </a:p>
-                  </a:txBody>
-                  <a:tcPr/>
-                </a:tc>
-                <a:tc>
-                  <a:txBody>
-                    <a:bodyPr/>
-                    <a:lstStyle/>
-                    <a:p>
-                      <a:endParaRPr lang="it-IT" sz="1200" dirty="0"/>
+                      <a:endParaRPr lang="it-IT" sz="1200" dirty="0"/>
+                    </a:p>
+                  </a:txBody>
+                  <a:tcPr/>
+                </a:tc>
+                <a:tc>
+                  <a:txBody>
+                    <a:bodyPr/>
+                    <a:lstStyle/>
+                    <a:p>
+                      <a:r>
+                        <a:rPr lang="it-IT" sz="1200" dirty="0"/>
+                        <a:t>Y</a:t>
+                      </a:r>
                     </a:p>
                   </a:txBody>
                   <a:tcPr/>
@@ -7782,20 +7782,20 @@
                     <a:bodyPr/>
                     <a:lstStyle/>
                     <a:p>
-                      <a:r>
-                        <a:rPr lang="it-IT" sz="1200" dirty="0"/>
-                        <a:t>30*5</a:t>
-                      </a:r>
-                    </a:p>
-                  </a:txBody>
-                  <a:tcPr/>
-                </a:tc>
-                <a:tc>
-                  <a:txBody>
-                    <a:bodyPr/>
-                    <a:lstStyle/>
-                    <a:p>
-                      <a:endParaRPr lang="it-IT" sz="1200" dirty="0"/>
+                      <a:endParaRPr lang="it-IT" sz="1200" dirty="0"/>
+                    </a:p>
+                  </a:txBody>
+                  <a:tcPr/>
+                </a:tc>
+                <a:tc>
+                  <a:txBody>
+                    <a:bodyPr/>
+                    <a:lstStyle/>
+                    <a:p>
+                      <a:r>
+                        <a:rPr lang="it-IT" sz="1200" dirty="0"/>
+                        <a:t>Y</a:t>
+                      </a:r>
                     </a:p>
                   </a:txBody>
                   <a:tcPr/>
@@ -8032,20 +8032,20 @@
                     <a:bodyPr/>
                     <a:lstStyle/>
                     <a:p>
-                      <a:r>
-                        <a:rPr lang="it-IT" sz="1200" dirty="0"/>
-                        <a:t>30*5</a:t>
-                      </a:r>
-                    </a:p>
-                  </a:txBody>
-                  <a:tcPr/>
-                </a:tc>
-                <a:tc>
-                  <a:txBody>
-                    <a:bodyPr/>
-                    <a:lstStyle/>
-                    <a:p>
-                      <a:endParaRPr lang="it-IT" sz="1200" dirty="0"/>
+                      <a:endParaRPr lang="it-IT" sz="1200" dirty="0"/>
+                    </a:p>
+                  </a:txBody>
+                  <a:tcPr/>
+                </a:tc>
+                <a:tc>
+                  <a:txBody>
+                    <a:bodyPr/>
+                    <a:lstStyle/>
+                    <a:p>
+                      <a:r>
+                        <a:rPr lang="it-IT" sz="1200" dirty="0"/>
+                        <a:t>Y</a:t>
+                      </a:r>
                     </a:p>
                   </a:txBody>
                   <a:tcPr/>
@@ -8524,7 +8524,7 @@
           <p:nvPr>
             <p:extLst>
               <p:ext uri="{D42A27DB-BD31-4B8C-83A1-F6EECF244321}">
-                <p14:modId xmlns:p14="http://schemas.microsoft.com/office/powerpoint/2010/main" val="3992493208"/>
+                <p14:modId xmlns:p14="http://schemas.microsoft.com/office/powerpoint/2010/main" val="1068091212"/>
               </p:ext>
             </p:extLst>
           </p:nvPr>
@@ -9075,20 +9075,20 @@
                     <a:bodyPr/>
                     <a:lstStyle/>
                     <a:p>
-                      <a:r>
-                        <a:rPr lang="it-IT" sz="1200" dirty="0"/>
-                        <a:t>30*5</a:t>
-                      </a:r>
-                    </a:p>
-                  </a:txBody>
-                  <a:tcPr/>
-                </a:tc>
-                <a:tc>
-                  <a:txBody>
-                    <a:bodyPr/>
-                    <a:lstStyle/>
-                    <a:p>
-                      <a:endParaRPr lang="it-IT" sz="1200" dirty="0"/>
+                      <a:endParaRPr lang="it-IT" sz="1200" dirty="0"/>
+                    </a:p>
+                  </a:txBody>
+                  <a:tcPr/>
+                </a:tc>
+                <a:tc>
+                  <a:txBody>
+                    <a:bodyPr/>
+                    <a:lstStyle/>
+                    <a:p>
+                      <a:r>
+                        <a:rPr lang="it-IT" sz="1200" dirty="0"/>
+                        <a:t>Y</a:t>
+                      </a:r>
                     </a:p>
                   </a:txBody>
                   <a:tcPr/>
@@ -9325,20 +9325,20 @@
                     <a:bodyPr/>
                     <a:lstStyle/>
                     <a:p>
-                      <a:r>
-                        <a:rPr lang="it-IT" sz="1200" dirty="0"/>
-                        <a:t>30*5</a:t>
-                      </a:r>
-                    </a:p>
-                  </a:txBody>
-                  <a:tcPr/>
-                </a:tc>
-                <a:tc>
-                  <a:txBody>
-                    <a:bodyPr/>
-                    <a:lstStyle/>
-                    <a:p>
-                      <a:endParaRPr lang="it-IT" sz="1200" dirty="0"/>
+                      <a:endParaRPr lang="it-IT" sz="1200" dirty="0"/>
+                    </a:p>
+                  </a:txBody>
+                  <a:tcPr/>
+                </a:tc>
+                <a:tc>
+                  <a:txBody>
+                    <a:bodyPr/>
+                    <a:lstStyle/>
+                    <a:p>
+                      <a:r>
+                        <a:rPr lang="it-IT" sz="1200" dirty="0"/>
+                        <a:t>Y</a:t>
+                      </a:r>
                     </a:p>
                   </a:txBody>
                   <a:tcPr/>
@@ -9575,20 +9575,20 @@
                     <a:bodyPr/>
                     <a:lstStyle/>
                     <a:p>
-                      <a:r>
-                        <a:rPr lang="it-IT" sz="1200" dirty="0"/>
-                        <a:t>30*5</a:t>
-                      </a:r>
-                    </a:p>
-                  </a:txBody>
-                  <a:tcPr/>
-                </a:tc>
-                <a:tc>
-                  <a:txBody>
-                    <a:bodyPr/>
-                    <a:lstStyle/>
-                    <a:p>
-                      <a:endParaRPr lang="it-IT" sz="1200" dirty="0"/>
+                      <a:endParaRPr lang="it-IT" sz="1200" dirty="0"/>
+                    </a:p>
+                  </a:txBody>
+                  <a:tcPr/>
+                </a:tc>
+                <a:tc>
+                  <a:txBody>
+                    <a:bodyPr/>
+                    <a:lstStyle/>
+                    <a:p>
+                      <a:r>
+                        <a:rPr lang="it-IT" sz="1200" dirty="0"/>
+                        <a:t>Y</a:t>
+                      </a:r>
                     </a:p>
                   </a:txBody>
                   <a:tcPr/>
@@ -10074,7 +10074,7 @@
                     <a:p>
                       <a:r>
                         <a:rPr lang="it-IT" sz="1200"/>
-                        <a:t>~ 3 </a:t>
+                        <a:t>~ 1.5 </a:t>
                       </a:r>
                       <a:r>
                         <a:rPr lang="it-IT" sz="1200" dirty="0"/>

--- a/extra_material/exp_plan.pptx
+++ b/extra_material/exp_plan.pptx
@@ -262,7 +262,7 @@
           <a:p>
             <a:fld id="{D9DFC112-CD81-6544-BC9B-69B280E44EE3}" type="datetimeFigureOut">
               <a:rPr lang="it-IT" smtClean="0"/>
-              <a:t>12/03/25</a:t>
+              <a:t>25/03/25</a:t>
             </a:fld>
             <a:endParaRPr lang="it-IT"/>
           </a:p>
@@ -460,7 +460,7 @@
           <a:p>
             <a:fld id="{D9DFC112-CD81-6544-BC9B-69B280E44EE3}" type="datetimeFigureOut">
               <a:rPr lang="it-IT" smtClean="0"/>
-              <a:t>12/03/25</a:t>
+              <a:t>25/03/25</a:t>
             </a:fld>
             <a:endParaRPr lang="it-IT"/>
           </a:p>
@@ -668,7 +668,7 @@
           <a:p>
             <a:fld id="{D9DFC112-CD81-6544-BC9B-69B280E44EE3}" type="datetimeFigureOut">
               <a:rPr lang="it-IT" smtClean="0"/>
-              <a:t>12/03/25</a:t>
+              <a:t>25/03/25</a:t>
             </a:fld>
             <a:endParaRPr lang="it-IT"/>
           </a:p>
@@ -866,7 +866,7 @@
           <a:p>
             <a:fld id="{D9DFC112-CD81-6544-BC9B-69B280E44EE3}" type="datetimeFigureOut">
               <a:rPr lang="it-IT" smtClean="0"/>
-              <a:t>12/03/25</a:t>
+              <a:t>25/03/25</a:t>
             </a:fld>
             <a:endParaRPr lang="it-IT"/>
           </a:p>
@@ -1141,7 +1141,7 @@
           <a:p>
             <a:fld id="{D9DFC112-CD81-6544-BC9B-69B280E44EE3}" type="datetimeFigureOut">
               <a:rPr lang="it-IT" smtClean="0"/>
-              <a:t>12/03/25</a:t>
+              <a:t>25/03/25</a:t>
             </a:fld>
             <a:endParaRPr lang="it-IT"/>
           </a:p>
@@ -1406,7 +1406,7 @@
           <a:p>
             <a:fld id="{D9DFC112-CD81-6544-BC9B-69B280E44EE3}" type="datetimeFigureOut">
               <a:rPr lang="it-IT" smtClean="0"/>
-              <a:t>12/03/25</a:t>
+              <a:t>25/03/25</a:t>
             </a:fld>
             <a:endParaRPr lang="it-IT"/>
           </a:p>
@@ -1818,7 +1818,7 @@
           <a:p>
             <a:fld id="{D9DFC112-CD81-6544-BC9B-69B280E44EE3}" type="datetimeFigureOut">
               <a:rPr lang="it-IT" smtClean="0"/>
-              <a:t>12/03/25</a:t>
+              <a:t>25/03/25</a:t>
             </a:fld>
             <a:endParaRPr lang="it-IT"/>
           </a:p>
@@ -1959,7 +1959,7 @@
           <a:p>
             <a:fld id="{D9DFC112-CD81-6544-BC9B-69B280E44EE3}" type="datetimeFigureOut">
               <a:rPr lang="it-IT" smtClean="0"/>
-              <a:t>12/03/25</a:t>
+              <a:t>25/03/25</a:t>
             </a:fld>
             <a:endParaRPr lang="it-IT"/>
           </a:p>
@@ -2072,7 +2072,7 @@
           <a:p>
             <a:fld id="{D9DFC112-CD81-6544-BC9B-69B280E44EE3}" type="datetimeFigureOut">
               <a:rPr lang="it-IT" smtClean="0"/>
-              <a:t>12/03/25</a:t>
+              <a:t>25/03/25</a:t>
             </a:fld>
             <a:endParaRPr lang="it-IT"/>
           </a:p>
@@ -2383,7 +2383,7 @@
           <a:p>
             <a:fld id="{D9DFC112-CD81-6544-BC9B-69B280E44EE3}" type="datetimeFigureOut">
               <a:rPr lang="it-IT" smtClean="0"/>
-              <a:t>12/03/25</a:t>
+              <a:t>25/03/25</a:t>
             </a:fld>
             <a:endParaRPr lang="it-IT"/>
           </a:p>
@@ -2671,7 +2671,7 @@
           <a:p>
             <a:fld id="{D9DFC112-CD81-6544-BC9B-69B280E44EE3}" type="datetimeFigureOut">
               <a:rPr lang="it-IT" smtClean="0"/>
-              <a:t>12/03/25</a:t>
+              <a:t>25/03/25</a:t>
             </a:fld>
             <a:endParaRPr lang="it-IT"/>
           </a:p>
@@ -2912,7 +2912,7 @@
           <a:p>
             <a:fld id="{D9DFC112-CD81-6544-BC9B-69B280E44EE3}" type="datetimeFigureOut">
               <a:rPr lang="it-IT" smtClean="0"/>
-              <a:t>12/03/25</a:t>
+              <a:t>25/03/25</a:t>
             </a:fld>
             <a:endParaRPr lang="it-IT"/>
           </a:p>
@@ -3449,7 +3449,7 @@
           <p:nvPr>
             <p:extLst>
               <p:ext uri="{D42A27DB-BD31-4B8C-83A1-F6EECF244321}">
-                <p14:modId xmlns:p14="http://schemas.microsoft.com/office/powerpoint/2010/main" val="3330784290"/>
+                <p14:modId xmlns:p14="http://schemas.microsoft.com/office/powerpoint/2010/main" val="3890635759"/>
               </p:ext>
             </p:extLst>
           </p:nvPr>
@@ -4717,20 +4717,20 @@
                     <a:bodyPr/>
                     <a:lstStyle/>
                     <a:p>
-                      <a:r>
-                        <a:rPr lang="it-IT" sz="1200" dirty="0"/>
-                        <a:t>30*5</a:t>
-                      </a:r>
-                    </a:p>
-                  </a:txBody>
-                  <a:tcPr/>
-                </a:tc>
-                <a:tc>
-                  <a:txBody>
-                    <a:bodyPr/>
-                    <a:lstStyle/>
-                    <a:p>
-                      <a:endParaRPr lang="it-IT" sz="1200" dirty="0"/>
+                      <a:endParaRPr lang="it-IT" sz="1200" dirty="0"/>
+                    </a:p>
+                  </a:txBody>
+                  <a:tcPr/>
+                </a:tc>
+                <a:tc>
+                  <a:txBody>
+                    <a:bodyPr/>
+                    <a:lstStyle/>
+                    <a:p>
+                      <a:r>
+                        <a:rPr lang="it-IT" sz="1200" dirty="0"/>
+                        <a:t>Y</a:t>
+                      </a:r>
                     </a:p>
                   </a:txBody>
                   <a:tcPr/>
@@ -4840,20 +4840,20 @@
                     <a:bodyPr/>
                     <a:lstStyle/>
                     <a:p>
-                      <a:r>
-                        <a:rPr lang="it-IT" sz="1200" dirty="0"/>
-                        <a:t>30*5</a:t>
-                      </a:r>
-                    </a:p>
-                  </a:txBody>
-                  <a:tcPr/>
-                </a:tc>
-                <a:tc>
-                  <a:txBody>
-                    <a:bodyPr/>
-                    <a:lstStyle/>
-                    <a:p>
-                      <a:endParaRPr lang="it-IT" sz="1200" dirty="0"/>
+                      <a:endParaRPr lang="it-IT" sz="1200" dirty="0"/>
+                    </a:p>
+                  </a:txBody>
+                  <a:tcPr/>
+                </a:tc>
+                <a:tc>
+                  <a:txBody>
+                    <a:bodyPr/>
+                    <a:lstStyle/>
+                    <a:p>
+                      <a:r>
+                        <a:rPr lang="it-IT" sz="1200" dirty="0"/>
+                        <a:t>Y</a:t>
+                      </a:r>
                     </a:p>
                   </a:txBody>
                   <a:tcPr/>
@@ -5962,7 +5962,7 @@
           <p:nvPr>
             <p:extLst>
               <p:ext uri="{D42A27DB-BD31-4B8C-83A1-F6EECF244321}">
-                <p14:modId xmlns:p14="http://schemas.microsoft.com/office/powerpoint/2010/main" val="3911989121"/>
+                <p14:modId xmlns:p14="http://schemas.microsoft.com/office/powerpoint/2010/main" val="240477343"/>
               </p:ext>
             </p:extLst>
           </p:nvPr>
@@ -7263,20 +7263,20 @@
                     <a:bodyPr/>
                     <a:lstStyle/>
                     <a:p>
-                      <a:r>
-                        <a:rPr lang="it-IT" sz="1200" dirty="0"/>
-                        <a:t>30*5</a:t>
-                      </a:r>
-                    </a:p>
-                  </a:txBody>
-                  <a:tcPr/>
-                </a:tc>
-                <a:tc>
-                  <a:txBody>
-                    <a:bodyPr/>
-                    <a:lstStyle/>
-                    <a:p>
-                      <a:endParaRPr lang="it-IT" sz="1200" dirty="0"/>
+                      <a:endParaRPr lang="it-IT" sz="1200" dirty="0"/>
+                    </a:p>
+                  </a:txBody>
+                  <a:tcPr/>
+                </a:tc>
+                <a:tc>
+                  <a:txBody>
+                    <a:bodyPr/>
+                    <a:lstStyle/>
+                    <a:p>
+                      <a:r>
+                        <a:rPr lang="it-IT" sz="1200" dirty="0"/>
+                        <a:t>Y</a:t>
+                      </a:r>
                     </a:p>
                   </a:txBody>
                   <a:tcPr/>
@@ -7386,20 +7386,20 @@
                     <a:bodyPr/>
                     <a:lstStyle/>
                     <a:p>
-                      <a:r>
-                        <a:rPr lang="it-IT" sz="1200" dirty="0"/>
-                        <a:t>30*5</a:t>
-                      </a:r>
-                    </a:p>
-                  </a:txBody>
-                  <a:tcPr/>
-                </a:tc>
-                <a:tc>
-                  <a:txBody>
-                    <a:bodyPr/>
-                    <a:lstStyle/>
-                    <a:p>
-                      <a:endParaRPr lang="it-IT" sz="1200" dirty="0"/>
+                      <a:endParaRPr lang="it-IT" sz="1200" dirty="0"/>
+                    </a:p>
+                  </a:txBody>
+                  <a:tcPr/>
+                </a:tc>
+                <a:tc>
+                  <a:txBody>
+                    <a:bodyPr/>
+                    <a:lstStyle/>
+                    <a:p>
+                      <a:r>
+                        <a:rPr lang="it-IT" sz="1200" dirty="0"/>
+                        <a:t>Y</a:t>
+                      </a:r>
                     </a:p>
                   </a:txBody>
                   <a:tcPr/>
@@ -8282,20 +8282,20 @@
                     <a:bodyPr/>
                     <a:lstStyle/>
                     <a:p>
-                      <a:r>
-                        <a:rPr lang="it-IT" sz="1200" dirty="0"/>
-                        <a:t>30*5</a:t>
-                      </a:r>
-                    </a:p>
-                  </a:txBody>
-                  <a:tcPr/>
-                </a:tc>
-                <a:tc>
-                  <a:txBody>
-                    <a:bodyPr/>
-                    <a:lstStyle/>
-                    <a:p>
-                      <a:endParaRPr lang="it-IT" sz="1200" dirty="0"/>
+                      <a:endParaRPr lang="it-IT" sz="1200" dirty="0"/>
+                    </a:p>
+                  </a:txBody>
+                  <a:tcPr/>
+                </a:tc>
+                <a:tc>
+                  <a:txBody>
+                    <a:bodyPr/>
+                    <a:lstStyle/>
+                    <a:p>
+                      <a:r>
+                        <a:rPr lang="it-IT" sz="1200" dirty="0"/>
+                        <a:t>Y</a:t>
+                      </a:r>
                     </a:p>
                   </a:txBody>
                   <a:tcPr/>
@@ -8405,20 +8405,20 @@
                     <a:bodyPr/>
                     <a:lstStyle/>
                     <a:p>
-                      <a:r>
-                        <a:rPr lang="it-IT" sz="1200" dirty="0"/>
-                        <a:t>30*5</a:t>
-                      </a:r>
-                    </a:p>
-                  </a:txBody>
-                  <a:tcPr/>
-                </a:tc>
-                <a:tc>
-                  <a:txBody>
-                    <a:bodyPr/>
-                    <a:lstStyle/>
-                    <a:p>
-                      <a:endParaRPr lang="it-IT" sz="1200" dirty="0"/>
+                      <a:endParaRPr lang="it-IT" sz="1200" dirty="0"/>
+                    </a:p>
+                  </a:txBody>
+                  <a:tcPr/>
+                </a:tc>
+                <a:tc>
+                  <a:txBody>
+                    <a:bodyPr/>
+                    <a:lstStyle/>
+                    <a:p>
+                      <a:r>
+                        <a:rPr lang="it-IT" sz="1200" dirty="0"/>
+                        <a:t>Y</a:t>
+                      </a:r>
                     </a:p>
                   </a:txBody>
                   <a:tcPr/>
@@ -8524,14 +8524,14 @@
           <p:nvPr>
             <p:extLst>
               <p:ext uri="{D42A27DB-BD31-4B8C-83A1-F6EECF244321}">
-                <p14:modId xmlns:p14="http://schemas.microsoft.com/office/powerpoint/2010/main" val="1068091212"/>
+                <p14:modId xmlns:p14="http://schemas.microsoft.com/office/powerpoint/2010/main" val="3012431884"/>
               </p:ext>
             </p:extLst>
           </p:nvPr>
         </p:nvGraphicFramePr>
         <p:xfrm>
           <a:off x="487325" y="1005840"/>
-          <a:ext cx="11217349" cy="3108960"/>
+          <a:ext cx="11217349" cy="2926080"/>
         </p:xfrm>
         <a:graphic>
           <a:graphicData uri="http://schemas.openxmlformats.org/drawingml/2006/table">
@@ -9825,20 +9825,20 @@
                     <a:bodyPr/>
                     <a:lstStyle/>
                     <a:p>
-                      <a:r>
-                        <a:rPr lang="it-IT" sz="1200" dirty="0"/>
-                        <a:t>30*5</a:t>
-                      </a:r>
-                    </a:p>
-                  </a:txBody>
-                  <a:tcPr/>
-                </a:tc>
-                <a:tc>
-                  <a:txBody>
-                    <a:bodyPr/>
-                    <a:lstStyle/>
-                    <a:p>
-                      <a:endParaRPr lang="it-IT" sz="1200" dirty="0"/>
+                      <a:endParaRPr lang="it-IT" sz="1200" dirty="0"/>
+                    </a:p>
+                  </a:txBody>
+                  <a:tcPr/>
+                </a:tc>
+                <a:tc>
+                  <a:txBody>
+                    <a:bodyPr/>
+                    <a:lstStyle/>
+                    <a:p>
+                      <a:r>
+                        <a:rPr lang="it-IT" sz="1200" dirty="0"/>
+                        <a:t>Y</a:t>
+                      </a:r>
                     </a:p>
                   </a:txBody>
                   <a:tcPr/>
@@ -9948,20 +9948,20 @@
                     <a:bodyPr/>
                     <a:lstStyle/>
                     <a:p>
-                      <a:r>
-                        <a:rPr lang="it-IT" sz="1200" dirty="0"/>
-                        <a:t>30*5</a:t>
-                      </a:r>
-                    </a:p>
-                  </a:txBody>
-                  <a:tcPr/>
-                </a:tc>
-                <a:tc>
-                  <a:txBody>
-                    <a:bodyPr/>
-                    <a:lstStyle/>
-                    <a:p>
-                      <a:endParaRPr lang="it-IT" sz="1200" dirty="0"/>
+                      <a:endParaRPr lang="it-IT" sz="1200" dirty="0"/>
+                    </a:p>
+                  </a:txBody>
+                  <a:tcPr/>
+                </a:tc>
+                <a:tc>
+                  <a:txBody>
+                    <a:bodyPr/>
+                    <a:lstStyle/>
+                    <a:p>
+                      <a:r>
+                        <a:rPr lang="it-IT" sz="1200" dirty="0"/>
+                        <a:t>Y</a:t>
+                      </a:r>
                     </a:p>
                   </a:txBody>
                   <a:tcPr/>
@@ -10074,12 +10074,9 @@
                     <a:p>
                       <a:r>
                         <a:rPr lang="it-IT" sz="1200"/>
-                        <a:t>~ 1.5 </a:t>
-                      </a:r>
-                      <a:r>
-                        <a:rPr lang="it-IT" sz="1200" dirty="0"/>
-                        <a:t>days</a:t>
-                      </a:r>
+                        <a:t>~ 20h</a:t>
+                      </a:r>
+                      <a:endParaRPr lang="it-IT" sz="1200" dirty="0"/>
                     </a:p>
                   </a:txBody>
                   <a:tcPr/>

--- a/extra_material/exp_plan.pptx
+++ b/extra_material/exp_plan.pptx
@@ -262,7 +262,7 @@
           <a:p>
             <a:fld id="{D9DFC112-CD81-6544-BC9B-69B280E44EE3}" type="datetimeFigureOut">
               <a:rPr lang="it-IT" smtClean="0"/>
-              <a:t>25/03/25</a:t>
+              <a:t>26/03/25</a:t>
             </a:fld>
             <a:endParaRPr lang="it-IT"/>
           </a:p>
@@ -460,7 +460,7 @@
           <a:p>
             <a:fld id="{D9DFC112-CD81-6544-BC9B-69B280E44EE3}" type="datetimeFigureOut">
               <a:rPr lang="it-IT" smtClean="0"/>
-              <a:t>25/03/25</a:t>
+              <a:t>26/03/25</a:t>
             </a:fld>
             <a:endParaRPr lang="it-IT"/>
           </a:p>
@@ -668,7 +668,7 @@
           <a:p>
             <a:fld id="{D9DFC112-CD81-6544-BC9B-69B280E44EE3}" type="datetimeFigureOut">
               <a:rPr lang="it-IT" smtClean="0"/>
-              <a:t>25/03/25</a:t>
+              <a:t>26/03/25</a:t>
             </a:fld>
             <a:endParaRPr lang="it-IT"/>
           </a:p>
@@ -866,7 +866,7 @@
           <a:p>
             <a:fld id="{D9DFC112-CD81-6544-BC9B-69B280E44EE3}" type="datetimeFigureOut">
               <a:rPr lang="it-IT" smtClean="0"/>
-              <a:t>25/03/25</a:t>
+              <a:t>26/03/25</a:t>
             </a:fld>
             <a:endParaRPr lang="it-IT"/>
           </a:p>
@@ -1141,7 +1141,7 @@
           <a:p>
             <a:fld id="{D9DFC112-CD81-6544-BC9B-69B280E44EE3}" type="datetimeFigureOut">
               <a:rPr lang="it-IT" smtClean="0"/>
-              <a:t>25/03/25</a:t>
+              <a:t>26/03/25</a:t>
             </a:fld>
             <a:endParaRPr lang="it-IT"/>
           </a:p>
@@ -1406,7 +1406,7 @@
           <a:p>
             <a:fld id="{D9DFC112-CD81-6544-BC9B-69B280E44EE3}" type="datetimeFigureOut">
               <a:rPr lang="it-IT" smtClean="0"/>
-              <a:t>25/03/25</a:t>
+              <a:t>26/03/25</a:t>
             </a:fld>
             <a:endParaRPr lang="it-IT"/>
           </a:p>
@@ -1818,7 +1818,7 @@
           <a:p>
             <a:fld id="{D9DFC112-CD81-6544-BC9B-69B280E44EE3}" type="datetimeFigureOut">
               <a:rPr lang="it-IT" smtClean="0"/>
-              <a:t>25/03/25</a:t>
+              <a:t>26/03/25</a:t>
             </a:fld>
             <a:endParaRPr lang="it-IT"/>
           </a:p>
@@ -1959,7 +1959,7 @@
           <a:p>
             <a:fld id="{D9DFC112-CD81-6544-BC9B-69B280E44EE3}" type="datetimeFigureOut">
               <a:rPr lang="it-IT" smtClean="0"/>
-              <a:t>25/03/25</a:t>
+              <a:t>26/03/25</a:t>
             </a:fld>
             <a:endParaRPr lang="it-IT"/>
           </a:p>
@@ -2072,7 +2072,7 @@
           <a:p>
             <a:fld id="{D9DFC112-CD81-6544-BC9B-69B280E44EE3}" type="datetimeFigureOut">
               <a:rPr lang="it-IT" smtClean="0"/>
-              <a:t>25/03/25</a:t>
+              <a:t>26/03/25</a:t>
             </a:fld>
             <a:endParaRPr lang="it-IT"/>
           </a:p>
@@ -2383,7 +2383,7 @@
           <a:p>
             <a:fld id="{D9DFC112-CD81-6544-BC9B-69B280E44EE3}" type="datetimeFigureOut">
               <a:rPr lang="it-IT" smtClean="0"/>
-              <a:t>25/03/25</a:t>
+              <a:t>26/03/25</a:t>
             </a:fld>
             <a:endParaRPr lang="it-IT"/>
           </a:p>
@@ -2671,7 +2671,7 @@
           <a:p>
             <a:fld id="{D9DFC112-CD81-6544-BC9B-69B280E44EE3}" type="datetimeFigureOut">
               <a:rPr lang="it-IT" smtClean="0"/>
-              <a:t>25/03/25</a:t>
+              <a:t>26/03/25</a:t>
             </a:fld>
             <a:endParaRPr lang="it-IT"/>
           </a:p>
@@ -2912,7 +2912,7 @@
           <a:p>
             <a:fld id="{D9DFC112-CD81-6544-BC9B-69B280E44EE3}" type="datetimeFigureOut">
               <a:rPr lang="it-IT" smtClean="0"/>
-              <a:t>25/03/25</a:t>
+              <a:t>26/03/25</a:t>
             </a:fld>
             <a:endParaRPr lang="it-IT"/>
           </a:p>
@@ -3449,7 +3449,7 @@
           <p:nvPr>
             <p:extLst>
               <p:ext uri="{D42A27DB-BD31-4B8C-83A1-F6EECF244321}">
-                <p14:modId xmlns:p14="http://schemas.microsoft.com/office/powerpoint/2010/main" val="3890635759"/>
+                <p14:modId xmlns:p14="http://schemas.microsoft.com/office/powerpoint/2010/main" val="2948464111"/>
               </p:ext>
             </p:extLst>
           </p:nvPr>
@@ -4970,20 +4970,20 @@
                     <a:bodyPr/>
                     <a:lstStyle/>
                     <a:p>
-                      <a:r>
-                        <a:rPr lang="it-IT" sz="1200" dirty="0"/>
-                        <a:t>30*5</a:t>
-                      </a:r>
-                    </a:p>
-                  </a:txBody>
-                  <a:tcPr/>
-                </a:tc>
-                <a:tc>
-                  <a:txBody>
-                    <a:bodyPr/>
-                    <a:lstStyle/>
-                    <a:p>
-                      <a:endParaRPr lang="it-IT" sz="1200" dirty="0"/>
+                      <a:endParaRPr lang="it-IT" sz="1200" dirty="0"/>
+                    </a:p>
+                  </a:txBody>
+                  <a:tcPr/>
+                </a:tc>
+                <a:tc>
+                  <a:txBody>
+                    <a:bodyPr/>
+                    <a:lstStyle/>
+                    <a:p>
+                      <a:r>
+                        <a:rPr lang="it-IT" sz="1200" dirty="0"/>
+                        <a:t>Y</a:t>
+                      </a:r>
                     </a:p>
                   </a:txBody>
                   <a:tcPr/>
@@ -5093,20 +5093,20 @@
                     <a:bodyPr/>
                     <a:lstStyle/>
                     <a:p>
-                      <a:r>
-                        <a:rPr lang="it-IT" sz="1200" dirty="0"/>
-                        <a:t>30*5</a:t>
-                      </a:r>
-                    </a:p>
-                  </a:txBody>
-                  <a:tcPr/>
-                </a:tc>
-                <a:tc>
-                  <a:txBody>
-                    <a:bodyPr/>
-                    <a:lstStyle/>
-                    <a:p>
-                      <a:endParaRPr lang="it-IT" sz="1200" dirty="0"/>
+                      <a:endParaRPr lang="it-IT" sz="1200" dirty="0"/>
+                    </a:p>
+                  </a:txBody>
+                  <a:tcPr/>
+                </a:tc>
+                <a:tc>
+                  <a:txBody>
+                    <a:bodyPr/>
+                    <a:lstStyle/>
+                    <a:p>
+                      <a:r>
+                        <a:rPr lang="it-IT" sz="1200" dirty="0"/>
+                        <a:t>Y</a:t>
+                      </a:r>
                     </a:p>
                   </a:txBody>
                   <a:tcPr/>
@@ -5220,20 +5220,20 @@
                     <a:bodyPr/>
                     <a:lstStyle/>
                     <a:p>
-                      <a:r>
-                        <a:rPr lang="it-IT" sz="1200" dirty="0"/>
-                        <a:t>30*5</a:t>
-                      </a:r>
-                    </a:p>
-                  </a:txBody>
-                  <a:tcPr/>
-                </a:tc>
-                <a:tc>
-                  <a:txBody>
-                    <a:bodyPr/>
-                    <a:lstStyle/>
-                    <a:p>
-                      <a:endParaRPr lang="it-IT" sz="1200" dirty="0"/>
+                      <a:endParaRPr lang="it-IT" sz="1200" dirty="0"/>
+                    </a:p>
+                  </a:txBody>
+                  <a:tcPr/>
+                </a:tc>
+                <a:tc>
+                  <a:txBody>
+                    <a:bodyPr/>
+                    <a:lstStyle/>
+                    <a:p>
+                      <a:r>
+                        <a:rPr lang="it-IT" sz="1200" dirty="0"/>
+                        <a:t>Y</a:t>
+                      </a:r>
                     </a:p>
                   </a:txBody>
                   <a:tcPr/>
@@ -5343,20 +5343,20 @@
                     <a:bodyPr/>
                     <a:lstStyle/>
                     <a:p>
-                      <a:r>
-                        <a:rPr lang="it-IT" sz="1200" dirty="0"/>
-                        <a:t>30*5</a:t>
-                      </a:r>
-                    </a:p>
-                  </a:txBody>
-                  <a:tcPr/>
-                </a:tc>
-                <a:tc>
-                  <a:txBody>
-                    <a:bodyPr/>
-                    <a:lstStyle/>
-                    <a:p>
-                      <a:endParaRPr lang="it-IT" sz="1200" dirty="0"/>
+                      <a:endParaRPr lang="it-IT" sz="1200" dirty="0"/>
+                    </a:p>
+                  </a:txBody>
+                  <a:tcPr/>
+                </a:tc>
+                <a:tc>
+                  <a:txBody>
+                    <a:bodyPr/>
+                    <a:lstStyle/>
+                    <a:p>
+                      <a:r>
+                        <a:rPr lang="it-IT" sz="1200" dirty="0"/>
+                        <a:t>Y</a:t>
+                      </a:r>
                     </a:p>
                   </a:txBody>
                   <a:tcPr/>
@@ -5470,20 +5470,20 @@
                     <a:bodyPr/>
                     <a:lstStyle/>
                     <a:p>
-                      <a:r>
-                        <a:rPr lang="it-IT" sz="1200" dirty="0"/>
-                        <a:t>30*5</a:t>
-                      </a:r>
-                    </a:p>
-                  </a:txBody>
-                  <a:tcPr/>
-                </a:tc>
-                <a:tc>
-                  <a:txBody>
-                    <a:bodyPr/>
-                    <a:lstStyle/>
-                    <a:p>
-                      <a:endParaRPr lang="it-IT" sz="1200" dirty="0"/>
+                      <a:endParaRPr lang="it-IT" sz="1200" dirty="0"/>
+                    </a:p>
+                  </a:txBody>
+                  <a:tcPr/>
+                </a:tc>
+                <a:tc>
+                  <a:txBody>
+                    <a:bodyPr/>
+                    <a:lstStyle/>
+                    <a:p>
+                      <a:r>
+                        <a:rPr lang="it-IT" sz="1200" dirty="0"/>
+                        <a:t>Y</a:t>
+                      </a:r>
                     </a:p>
                   </a:txBody>
                   <a:tcPr/>
@@ -5593,20 +5593,20 @@
                     <a:bodyPr/>
                     <a:lstStyle/>
                     <a:p>
-                      <a:r>
-                        <a:rPr lang="it-IT" sz="1200" dirty="0"/>
-                        <a:t>30*5</a:t>
-                      </a:r>
-                    </a:p>
-                  </a:txBody>
-                  <a:tcPr/>
-                </a:tc>
-                <a:tc>
-                  <a:txBody>
-                    <a:bodyPr/>
-                    <a:lstStyle/>
-                    <a:p>
-                      <a:endParaRPr lang="it-IT" sz="1200" dirty="0"/>
+                      <a:endParaRPr lang="it-IT" sz="1200" dirty="0"/>
+                    </a:p>
+                  </a:txBody>
+                  <a:tcPr/>
+                </a:tc>
+                <a:tc>
+                  <a:txBody>
+                    <a:bodyPr/>
+                    <a:lstStyle/>
+                    <a:p>
+                      <a:r>
+                        <a:rPr lang="it-IT" sz="1200" dirty="0"/>
+                        <a:t>Y</a:t>
+                      </a:r>
                     </a:p>
                   </a:txBody>
                   <a:tcPr/>
@@ -5720,20 +5720,20 @@
                     <a:bodyPr/>
                     <a:lstStyle/>
                     <a:p>
-                      <a:r>
-                        <a:rPr lang="it-IT" sz="1200" dirty="0"/>
-                        <a:t>30*5</a:t>
-                      </a:r>
-                    </a:p>
-                  </a:txBody>
-                  <a:tcPr/>
-                </a:tc>
-                <a:tc>
-                  <a:txBody>
-                    <a:bodyPr/>
-                    <a:lstStyle/>
-                    <a:p>
-                      <a:endParaRPr lang="it-IT" sz="1200" dirty="0"/>
+                      <a:endParaRPr lang="it-IT" sz="1200" dirty="0"/>
+                    </a:p>
+                  </a:txBody>
+                  <a:tcPr/>
+                </a:tc>
+                <a:tc>
+                  <a:txBody>
+                    <a:bodyPr/>
+                    <a:lstStyle/>
+                    <a:p>
+                      <a:r>
+                        <a:rPr lang="it-IT" sz="1200" dirty="0"/>
+                        <a:t>Y</a:t>
+                      </a:r>
                     </a:p>
                   </a:txBody>
                   <a:tcPr/>
@@ -5843,20 +5843,20 @@
                     <a:bodyPr/>
                     <a:lstStyle/>
                     <a:p>
-                      <a:r>
-                        <a:rPr lang="it-IT" sz="1200" dirty="0"/>
-                        <a:t>30*5</a:t>
-                      </a:r>
-                    </a:p>
-                  </a:txBody>
-                  <a:tcPr/>
-                </a:tc>
-                <a:tc>
-                  <a:txBody>
-                    <a:bodyPr/>
-                    <a:lstStyle/>
-                    <a:p>
-                      <a:endParaRPr lang="it-IT" sz="1200" dirty="0"/>
+                      <a:endParaRPr lang="it-IT" sz="1200" dirty="0"/>
+                    </a:p>
+                  </a:txBody>
+                  <a:tcPr/>
+                </a:tc>
+                <a:tc>
+                  <a:txBody>
+                    <a:bodyPr/>
+                    <a:lstStyle/>
+                    <a:p>
+                      <a:r>
+                        <a:rPr lang="it-IT" sz="1200" dirty="0"/>
+                        <a:t>Y</a:t>
+                      </a:r>
                     </a:p>
                   </a:txBody>
                   <a:tcPr/>
@@ -8524,7 +8524,7 @@
           <p:nvPr>
             <p:extLst>
               <p:ext uri="{D42A27DB-BD31-4B8C-83A1-F6EECF244321}">
-                <p14:modId xmlns:p14="http://schemas.microsoft.com/office/powerpoint/2010/main" val="3012431884"/>
+                <p14:modId xmlns:p14="http://schemas.microsoft.com/office/powerpoint/2010/main" val="295418591"/>
               </p:ext>
             </p:extLst>
           </p:nvPr>
@@ -10074,7 +10074,7 @@
                     <a:p>
                       <a:r>
                         <a:rPr lang="it-IT" sz="1200"/>
-                        <a:t>~ 20h</a:t>
+                        <a:t>~ 0h</a:t>
                       </a:r>
                       <a:endParaRPr lang="it-IT" sz="1200" dirty="0"/>
                     </a:p>
